--- a/IML(version 1,detailed).pptx
+++ b/IML(version 1,detailed).pptx
@@ -6,10 +6,10 @@
     <p:sldMasterId id="2147483669" r:id="rId2"/>
   </p:sldMasterIdLst>
   <p:notesMasterIdLst>
-    <p:notesMasterId r:id="rId46"/>
+    <p:notesMasterId r:id="rId48"/>
   </p:notesMasterIdLst>
   <p:handoutMasterIdLst>
-    <p:handoutMasterId r:id="rId47"/>
+    <p:handoutMasterId r:id="rId49"/>
   </p:handoutMasterIdLst>
   <p:sldIdLst>
     <p:sldId id="257" r:id="rId3"/>
@@ -37,24 +37,26 @@
     <p:sldId id="313" r:id="rId25"/>
     <p:sldId id="297" r:id="rId26"/>
     <p:sldId id="268" r:id="rId27"/>
-    <p:sldId id="314" r:id="rId28"/>
-    <p:sldId id="332" r:id="rId29"/>
-    <p:sldId id="321" r:id="rId30"/>
-    <p:sldId id="315" r:id="rId31"/>
-    <p:sldId id="317" r:id="rId32"/>
-    <p:sldId id="270" r:id="rId33"/>
-    <p:sldId id="318" r:id="rId34"/>
-    <p:sldId id="319" r:id="rId35"/>
-    <p:sldId id="328" r:id="rId36"/>
-    <p:sldId id="329" r:id="rId37"/>
-    <p:sldId id="320" r:id="rId38"/>
-    <p:sldId id="324" r:id="rId39"/>
-    <p:sldId id="323" r:id="rId40"/>
-    <p:sldId id="325" r:id="rId41"/>
-    <p:sldId id="326" r:id="rId42"/>
-    <p:sldId id="327" r:id="rId43"/>
-    <p:sldId id="285" r:id="rId44"/>
-    <p:sldId id="286" r:id="rId45"/>
+    <p:sldId id="337" r:id="rId28"/>
+    <p:sldId id="321" r:id="rId29"/>
+    <p:sldId id="336" r:id="rId30"/>
+    <p:sldId id="314" r:id="rId31"/>
+    <p:sldId id="332" r:id="rId32"/>
+    <p:sldId id="315" r:id="rId33"/>
+    <p:sldId id="317" r:id="rId34"/>
+    <p:sldId id="270" r:id="rId35"/>
+    <p:sldId id="318" r:id="rId36"/>
+    <p:sldId id="319" r:id="rId37"/>
+    <p:sldId id="328" r:id="rId38"/>
+    <p:sldId id="329" r:id="rId39"/>
+    <p:sldId id="335" r:id="rId40"/>
+    <p:sldId id="320" r:id="rId41"/>
+    <p:sldId id="324" r:id="rId42"/>
+    <p:sldId id="323" r:id="rId43"/>
+    <p:sldId id="326" r:id="rId44"/>
+    <p:sldId id="327" r:id="rId45"/>
+    <p:sldId id="285" r:id="rId46"/>
+    <p:sldId id="286" r:id="rId47"/>
   </p:sldIdLst>
   <p:sldSz cx="12192000" cy="6858000"/>
   <p:notesSz cx="6858000" cy="9144000"/>
@@ -1121,6 +1123,90 @@
 </file>
 
 <file path=ppt/notesSlides/notesSlide5.xml><?xml version="1.0" encoding="utf-8"?>
+<p:notes xmlns:a="http://schemas.openxmlformats.org/drawingml/2006/main" xmlns:r="http://schemas.openxmlformats.org/officeDocument/2006/relationships" xmlns:p="http://schemas.openxmlformats.org/presentationml/2006/main">
+  <p:cSld>
+    <p:spTree>
+      <p:nvGrpSpPr>
+        <p:cNvPr id="1" name=""/>
+        <p:cNvGrpSpPr/>
+        <p:nvPr/>
+      </p:nvGrpSpPr>
+      <p:grpSpPr>
+        <a:xfrm>
+          <a:off x="0" y="0"/>
+          <a:ext cx="0" cy="0"/>
+          <a:chOff x="0" y="0"/>
+          <a:chExt cx="0" cy="0"/>
+        </a:xfrm>
+      </p:grpSpPr>
+      <p:sp>
+        <p:nvSpPr>
+          <p:cNvPr id="2" name="投影片影像版面配置區 1"/>
+          <p:cNvSpPr>
+            <a:spLocks noGrp="1" noRot="1" noChangeAspect="1"/>
+          </p:cNvSpPr>
+          <p:nvPr>
+            <p:ph type="sldImg"/>
+          </p:nvPr>
+        </p:nvSpPr>
+        <p:spPr/>
+      </p:sp>
+      <p:sp>
+        <p:nvSpPr>
+          <p:cNvPr id="3" name="備忘稿版面配置區 2"/>
+          <p:cNvSpPr>
+            <a:spLocks noGrp="1"/>
+          </p:cNvSpPr>
+          <p:nvPr>
+            <p:ph type="body" idx="1"/>
+          </p:nvPr>
+        </p:nvSpPr>
+        <p:spPr/>
+        <p:txBody>
+          <a:bodyPr/>
+          <a:lstStyle/>
+          <a:p>
+            <a:endParaRPr lang="en-ID" dirty="0"/>
+          </a:p>
+        </p:txBody>
+      </p:sp>
+      <p:sp>
+        <p:nvSpPr>
+          <p:cNvPr id="4" name="投影片編號版面配置區 3"/>
+          <p:cNvSpPr>
+            <a:spLocks noGrp="1"/>
+          </p:cNvSpPr>
+          <p:nvPr>
+            <p:ph type="sldNum" sz="quarter" idx="5"/>
+          </p:nvPr>
+        </p:nvSpPr>
+        <p:spPr/>
+        <p:txBody>
+          <a:bodyPr/>
+          <a:lstStyle/>
+          <a:p>
+            <a:fld id="{02036A38-BF95-49C5-9361-C815CDA747B5}" type="slidenum">
+              <a:rPr lang="zh-CN" altLang="en-US" smtClean="0"/>
+              <a:t>27</a:t>
+            </a:fld>
+            <a:endParaRPr lang="zh-CN" altLang="en-US"/>
+          </a:p>
+        </p:txBody>
+      </p:sp>
+    </p:spTree>
+    <p:extLst>
+      <p:ext uri="{BB962C8B-B14F-4D97-AF65-F5344CB8AC3E}">
+        <p14:creationId xmlns:p14="http://schemas.microsoft.com/office/powerpoint/2010/main" val="2423837753"/>
+      </p:ext>
+    </p:extLst>
+  </p:cSld>
+  <p:clrMapOvr>
+    <a:masterClrMapping/>
+  </p:clrMapOvr>
+</p:notes>
+</file>
+
+<file path=ppt/notesSlides/notesSlide6.xml><?xml version="1.0" encoding="utf-8"?>
 <p:notes xmlns:a="http://schemas.openxmlformats.org/drawingml/2006/main" xmlns:r="http://schemas.openxmlformats.org/officeDocument/2006/relationships" xmlns:p="http://schemas.openxmlformats.org/presentationml/2006/main">
   <p:cSld>
     <p:spTree>
@@ -1399,7 +1485,7 @@
                   <a:spcPct val="0"/>
                 </a:spcAft>
               </a:pPr>
-              <a:t>43</a:t>
+              <a:t>45</a:t>
             </a:fld>
             <a:endParaRPr lang="zh-CN" altLang="en-US">
               <a:solidFill>
@@ -22231,8 +22317,8 @@
         </p:nvSpPr>
         <p:spPr>
           <a:xfrm>
-            <a:off x="3905885" y="6049982"/>
-            <a:ext cx="4809490" cy="461665"/>
+            <a:off x="1650364" y="6197084"/>
+            <a:ext cx="9678036" cy="461665"/>
           </a:xfrm>
           <a:prstGeom prst="rect">
             <a:avLst/>
@@ -22249,6 +22335,11 @@
               <a:rPr lang="en-ID" sz="2400" dirty="0"/>
               <a:t>LIME is actually a subset of SHAP</a:t>
             </a:r>
+            <a:r>
+              <a:rPr lang="en-US" altLang="zh-TW" sz="2400" dirty="0"/>
+              <a:t>(additive feature attribution methods)</a:t>
+            </a:r>
+            <a:endParaRPr lang="en-ID" sz="2400" dirty="0"/>
           </a:p>
         </p:txBody>
       </p:sp>
@@ -23132,10 +23223,10 @@
       </p:grpSpPr>
       <p:sp>
         <p:nvSpPr>
-          <p:cNvPr id="3" name="文字方塊 2">
+          <p:cNvPr id="2" name="文字方塊 1">
             <a:extLst>
               <a:ext uri="{FF2B5EF4-FFF2-40B4-BE49-F238E27FC236}">
-                <a16:creationId xmlns:a16="http://schemas.microsoft.com/office/drawing/2014/main" id="{A14E559C-945E-44D7-B845-A5B62A68B154}"/>
+                <a16:creationId xmlns:a16="http://schemas.microsoft.com/office/drawing/2014/main" id="{0528C086-E66F-413E-9AE8-2FAD13D0D670}"/>
               </a:ext>
             </a:extLst>
           </p:cNvPr>
@@ -23144,8 +23235,8 @@
         </p:nvSpPr>
         <p:spPr>
           <a:xfrm>
-            <a:off x="1285875" y="4524375"/>
-            <a:ext cx="4095750" cy="369332"/>
+            <a:off x="4663440" y="430292"/>
+            <a:ext cx="3810000" cy="369332"/>
           </a:xfrm>
           <a:prstGeom prst="rect">
             <a:avLst/>
@@ -23160,26 +23251,17 @@
           <a:p>
             <a:r>
               <a:rPr lang="en-ID" dirty="0"/>
-              <a:t>Local Explanations : LIME</a:t>
-            </a:r>
-            <a:r>
-              <a:rPr lang="zh-TW" altLang="en-US" dirty="0"/>
-              <a:t>、</a:t>
-            </a:r>
-            <a:r>
-              <a:rPr lang="en-ID" altLang="zh-TW" dirty="0" err="1"/>
-              <a:t>KernelSHAP</a:t>
-            </a:r>
-            <a:endParaRPr lang="en-ID" dirty="0"/>
+              <a:t>Explainable Boosting Machine(EBM)</a:t>
+            </a:r>
           </a:p>
         </p:txBody>
       </p:sp>
       <p:sp>
         <p:nvSpPr>
-          <p:cNvPr id="4" name="文字方塊 3">
+          <p:cNvPr id="3" name="文字方塊 2">
             <a:extLst>
               <a:ext uri="{FF2B5EF4-FFF2-40B4-BE49-F238E27FC236}">
-                <a16:creationId xmlns:a16="http://schemas.microsoft.com/office/drawing/2014/main" id="{DA1A67A1-B509-46A1-A498-A727232F7C33}"/>
+                <a16:creationId xmlns:a16="http://schemas.microsoft.com/office/drawing/2014/main" id="{7A9EB24C-7E37-44F0-90CC-1299607054C1}"/>
               </a:ext>
             </a:extLst>
           </p:cNvPr>
@@ -23188,8 +23270,8 @@
         </p:nvSpPr>
         <p:spPr>
           <a:xfrm>
-            <a:off x="1285875" y="5391150"/>
-            <a:ext cx="6172200" cy="369332"/>
+            <a:off x="4196080" y="2214880"/>
+            <a:ext cx="2286000" cy="369332"/>
           </a:xfrm>
           <a:prstGeom prst="rect">
             <a:avLst/>
@@ -23203,16 +23285,12 @@
           <a:lstStyle/>
           <a:p>
             <a:r>
-              <a:rPr lang="en-ID" dirty="0"/>
-              <a:t>Global Explanations : Morris Sensitivity</a:t>
-            </a:r>
-            <a:r>
               <a:rPr lang="zh-TW" altLang="en-US" dirty="0"/>
-              <a:t>、</a:t>
+              <a:t>背後之演算法</a:t>
             </a:r>
             <a:r>
               <a:rPr lang="en-ID" altLang="zh-TW" dirty="0"/>
-              <a:t>Partial Dependence</a:t>
+              <a:t>GA2M</a:t>
             </a:r>
             <a:endParaRPr lang="en-ID" dirty="0"/>
           </a:p>
@@ -23220,10 +23298,10 @@
       </p:sp>
       <p:sp>
         <p:nvSpPr>
-          <p:cNvPr id="5" name="文字方塊 4">
+          <p:cNvPr id="4" name="文字方塊 3">
             <a:extLst>
               <a:ext uri="{FF2B5EF4-FFF2-40B4-BE49-F238E27FC236}">
-                <a16:creationId xmlns:a16="http://schemas.microsoft.com/office/drawing/2014/main" id="{6EBC8F25-60BC-4683-9250-1F75588790DD}"/>
+                <a16:creationId xmlns:a16="http://schemas.microsoft.com/office/drawing/2014/main" id="{923F22BB-EAD5-4A08-9C53-27D876C20A3E}"/>
               </a:ext>
             </a:extLst>
           </p:cNvPr>
@@ -23232,8 +23310,8 @@
         </p:nvSpPr>
         <p:spPr>
           <a:xfrm>
-            <a:off x="1285875" y="3842266"/>
-            <a:ext cx="5419725" cy="369333"/>
+            <a:off x="3952240" y="2915920"/>
+            <a:ext cx="3515360" cy="646331"/>
           </a:xfrm>
           <a:prstGeom prst="rect">
             <a:avLst/>
@@ -23246,119 +23324,18 @@
           </a:bodyPr>
           <a:lstStyle/>
           <a:p>
+            <a:pPr algn="ctr"/>
             <a:r>
               <a:rPr lang="zh-TW" altLang="en-US" dirty="0"/>
-              <a:t>解釋方法</a:t>
-            </a:r>
-            <a:r>
-              <a:rPr lang="en-ID" altLang="zh-TW" dirty="0"/>
-              <a:t>(</a:t>
-            </a:r>
-            <a:r>
-              <a:rPr lang="zh-TW" altLang="en-US" dirty="0"/>
-              <a:t>可能還有更多，但底下是官方有介紹到的</a:t>
-            </a:r>
-            <a:r>
-              <a:rPr lang="en-ID" altLang="zh-TW" dirty="0"/>
-              <a:t>)</a:t>
-            </a:r>
-            <a:endParaRPr lang="en-ID" dirty="0"/>
-          </a:p>
-        </p:txBody>
-      </p:sp>
-      <p:sp>
-        <p:nvSpPr>
-          <p:cNvPr id="6" name="文字方塊 5">
-            <a:extLst>
-              <a:ext uri="{FF2B5EF4-FFF2-40B4-BE49-F238E27FC236}">
-                <a16:creationId xmlns:a16="http://schemas.microsoft.com/office/drawing/2014/main" id="{2FF95718-2470-41CC-8F4C-6A87140FE7B0}"/>
-              </a:ext>
-            </a:extLst>
-          </p:cNvPr>
-          <p:cNvSpPr txBox="1"/>
-          <p:nvPr/>
-        </p:nvSpPr>
-        <p:spPr>
-          <a:xfrm>
-            <a:off x="1285875" y="1228725"/>
-            <a:ext cx="3619500" cy="369332"/>
-          </a:xfrm>
-          <a:prstGeom prst="rect">
-            <a:avLst/>
-          </a:prstGeom>
-          <a:noFill/>
-        </p:spPr>
-        <p:txBody>
-          <a:bodyPr wrap="square" rtlCol="0">
-            <a:spAutoFit/>
-          </a:bodyPr>
-          <a:lstStyle/>
-          <a:p>
-            <a:r>
-              <a:rPr lang="zh-TW" altLang="en-US" dirty="0"/>
-              <a:t>預測方法</a:t>
-            </a:r>
-            <a:endParaRPr lang="en-ID" dirty="0"/>
-          </a:p>
-        </p:txBody>
-      </p:sp>
-      <p:sp>
-        <p:nvSpPr>
-          <p:cNvPr id="7" name="文字方塊 6">
-            <a:extLst>
-              <a:ext uri="{FF2B5EF4-FFF2-40B4-BE49-F238E27FC236}">
-                <a16:creationId xmlns:a16="http://schemas.microsoft.com/office/drawing/2014/main" id="{4CEE9970-3738-43F1-91D2-993308EF205A}"/>
-              </a:ext>
-            </a:extLst>
-          </p:cNvPr>
-          <p:cNvSpPr txBox="1"/>
-          <p:nvPr/>
-        </p:nvSpPr>
-        <p:spPr>
-          <a:xfrm>
-            <a:off x="1285874" y="1895474"/>
-            <a:ext cx="7267576" cy="646331"/>
-          </a:xfrm>
-          <a:prstGeom prst="rect">
-            <a:avLst/>
-          </a:prstGeom>
-          <a:noFill/>
-        </p:spPr>
-        <p:txBody>
-          <a:bodyPr wrap="square" rtlCol="0">
-            <a:spAutoFit/>
-          </a:bodyPr>
-          <a:lstStyle/>
-          <a:p>
-            <a:r>
-              <a:rPr lang="zh-TW" altLang="en-US" dirty="0"/>
-              <a:t>各種</a:t>
-            </a:r>
-            <a:r>
-              <a:rPr lang="en-ID" altLang="zh-TW" dirty="0"/>
-              <a:t>white box(</a:t>
-            </a:r>
-            <a:r>
-              <a:rPr lang="zh-TW" altLang="en-US" dirty="0"/>
-              <a:t>較好解釋的</a:t>
-            </a:r>
-            <a:r>
-              <a:rPr lang="en-ID" altLang="zh-TW" dirty="0"/>
-              <a:t>) model</a:t>
-            </a:r>
-            <a:r>
-              <a:rPr lang="zh-TW" altLang="en-US" dirty="0"/>
-              <a:t>或</a:t>
-            </a:r>
-            <a:r>
-              <a:rPr lang="en-ID" altLang="zh-TW" dirty="0"/>
-              <a:t>black box model</a:t>
-            </a:r>
-          </a:p>
-          <a:p>
+              <a:t>號稱很準確又很好解釋的模型</a:t>
+            </a:r>
+            <a:endParaRPr lang="en-ID" altLang="zh-TW" dirty="0"/>
+          </a:p>
+          <a:p>
+            <a:pPr algn="ctr"/>
             <a:r>
               <a:rPr lang="en-ID" dirty="0"/>
-              <a:t>EBM(Explainable Boosting Machine) from Microsoft  -  GA2M algorithm</a:t>
+              <a:t>Accurate and Intelligent</a:t>
             </a:r>
           </a:p>
         </p:txBody>
@@ -23366,7 +23343,7 @@
     </p:spTree>
     <p:extLst>
       <p:ext uri="{BB962C8B-B14F-4D97-AF65-F5344CB8AC3E}">
-        <p14:creationId xmlns:p14="http://schemas.microsoft.com/office/powerpoint/2010/main" val="2107876765"/>
+        <p14:creationId xmlns:p14="http://schemas.microsoft.com/office/powerpoint/2010/main" val="715736060"/>
       </p:ext>
     </p:extLst>
   </p:cSld>
@@ -23410,7 +23387,7 @@
           <p:cNvPr id="2" name="文字方塊 1">
             <a:extLst>
               <a:ext uri="{FF2B5EF4-FFF2-40B4-BE49-F238E27FC236}">
-                <a16:creationId xmlns:a16="http://schemas.microsoft.com/office/drawing/2014/main" id="{3B899EBD-4D88-44BC-8C2D-4F94E4D6118B}"/>
+                <a16:creationId xmlns:a16="http://schemas.microsoft.com/office/drawing/2014/main" id="{8CE5D331-9818-4F38-9223-6875C0537408}"/>
               </a:ext>
             </a:extLst>
           </p:cNvPr>
@@ -23419,8 +23396,8 @@
         </p:nvSpPr>
         <p:spPr>
           <a:xfrm>
-            <a:off x="1438274" y="1783139"/>
-            <a:ext cx="3800476" cy="1200329"/>
+            <a:off x="6515100" y="917972"/>
+            <a:ext cx="2552700" cy="369332"/>
           </a:xfrm>
           <a:prstGeom prst="rect">
             <a:avLst/>
@@ -23434,58 +23411,108 @@
           <a:lstStyle/>
           <a:p>
             <a:r>
-              <a:rPr lang="en-ID" dirty="0" err="1"/>
-              <a:t>Ebm</a:t>
-            </a:r>
-            <a:r>
-              <a:rPr lang="zh-TW" altLang="en-US" dirty="0"/>
-              <a:t>的預設解釋方法：</a:t>
-            </a:r>
-            <a:endParaRPr lang="en-ID" altLang="zh-TW" dirty="0"/>
-          </a:p>
-          <a:p>
-            <a:r>
-              <a:rPr lang="en-ID" altLang="zh-TW" dirty="0"/>
-              <a:t>Local </a:t>
-            </a:r>
-            <a:r>
-              <a:rPr lang="zh-TW" altLang="en-US" dirty="0"/>
-              <a:t>應該也是用</a:t>
-            </a:r>
-            <a:r>
-              <a:rPr lang="en-ID" altLang="zh-TW" dirty="0"/>
-              <a:t>Kernel SHAP</a:t>
-            </a:r>
-          </a:p>
-          <a:p>
-            <a:r>
-              <a:rPr lang="en-ID" altLang="zh-TW" dirty="0"/>
-              <a:t>Global </a:t>
-            </a:r>
-            <a:r>
-              <a:rPr lang="zh-TW" altLang="en-US" dirty="0"/>
-              <a:t>為</a:t>
-            </a:r>
-            <a:r>
-              <a:rPr lang="en-ID" altLang="zh-TW" dirty="0"/>
-              <a:t>Mean Absolute Score</a:t>
-            </a:r>
-          </a:p>
-          <a:p>
-            <a:r>
-              <a:rPr lang="zh-TW" altLang="en-US" dirty="0"/>
-              <a:t>但也可以使用之前提到的解釋方法</a:t>
-            </a:r>
-            <a:endParaRPr lang="en-ID" dirty="0"/>
+              <a:rPr lang="en-ID" dirty="0"/>
+              <a:t>GA2M Algorithm</a:t>
+            </a:r>
           </a:p>
         </p:txBody>
       </p:sp>
-      <p:sp>
-        <p:nvSpPr>
-          <p:cNvPr id="3" name="文字方塊 2">
+      <p:pic>
+        <p:nvPicPr>
+          <p:cNvPr id="3" name="圖片 2">
             <a:extLst>
               <a:ext uri="{FF2B5EF4-FFF2-40B4-BE49-F238E27FC236}">
-                <a16:creationId xmlns:a16="http://schemas.microsoft.com/office/drawing/2014/main" id="{FEA35BF5-42AB-4AAB-90BF-BE34650BC845}"/>
+                <a16:creationId xmlns:a16="http://schemas.microsoft.com/office/drawing/2014/main" id="{5F1EC571-960D-4A43-B27E-40FBB918AB60}"/>
+              </a:ext>
+            </a:extLst>
+          </p:cNvPr>
+          <p:cNvPicPr>
+            <a:picLocks noChangeAspect="1"/>
+          </p:cNvPicPr>
+          <p:nvPr/>
+        </p:nvPicPr>
+        <p:blipFill>
+          <a:blip r:embed="rId3"/>
+          <a:stretch>
+            <a:fillRect/>
+          </a:stretch>
+        </p:blipFill>
+        <p:spPr>
+          <a:xfrm>
+            <a:off x="5169852" y="1477685"/>
+            <a:ext cx="5734050" cy="3114675"/>
+          </a:xfrm>
+          <a:prstGeom prst="rect">
+            <a:avLst/>
+          </a:prstGeom>
+        </p:spPr>
+      </p:pic>
+      <p:pic>
+        <p:nvPicPr>
+          <p:cNvPr id="4" name="圖片 3">
+            <a:extLst>
+              <a:ext uri="{FF2B5EF4-FFF2-40B4-BE49-F238E27FC236}">
+                <a16:creationId xmlns:a16="http://schemas.microsoft.com/office/drawing/2014/main" id="{A8A482A5-C93E-44CC-AFCA-DEE5650A1130}"/>
+              </a:ext>
+            </a:extLst>
+          </p:cNvPr>
+          <p:cNvPicPr>
+            <a:picLocks noChangeAspect="1"/>
+          </p:cNvPicPr>
+          <p:nvPr/>
+        </p:nvPicPr>
+        <p:blipFill>
+          <a:blip r:embed="rId4"/>
+          <a:stretch>
+            <a:fillRect/>
+          </a:stretch>
+        </p:blipFill>
+        <p:spPr>
+          <a:xfrm>
+            <a:off x="1651000" y="1840905"/>
+            <a:ext cx="2590800" cy="400050"/>
+          </a:xfrm>
+          <a:prstGeom prst="rect">
+            <a:avLst/>
+          </a:prstGeom>
+        </p:spPr>
+      </p:pic>
+      <p:pic>
+        <p:nvPicPr>
+          <p:cNvPr id="5" name="圖片 4">
+            <a:extLst>
+              <a:ext uri="{FF2B5EF4-FFF2-40B4-BE49-F238E27FC236}">
+                <a16:creationId xmlns:a16="http://schemas.microsoft.com/office/drawing/2014/main" id="{31763208-CDD9-4040-91FE-D7AAAEB7DFB3}"/>
+              </a:ext>
+            </a:extLst>
+          </p:cNvPr>
+          <p:cNvPicPr>
+            <a:picLocks noChangeAspect="1"/>
+          </p:cNvPicPr>
+          <p:nvPr/>
+        </p:nvPicPr>
+        <p:blipFill>
+          <a:blip r:embed="rId5"/>
+          <a:stretch>
+            <a:fillRect/>
+          </a:stretch>
+        </p:blipFill>
+        <p:spPr>
+          <a:xfrm>
+            <a:off x="926148" y="2809875"/>
+            <a:ext cx="3962400" cy="619125"/>
+          </a:xfrm>
+          <a:prstGeom prst="rect">
+            <a:avLst/>
+          </a:prstGeom>
+        </p:spPr>
+      </p:pic>
+      <p:sp>
+        <p:nvSpPr>
+          <p:cNvPr id="6" name="文字方塊 5">
+            <a:extLst>
+              <a:ext uri="{FF2B5EF4-FFF2-40B4-BE49-F238E27FC236}">
+                <a16:creationId xmlns:a16="http://schemas.microsoft.com/office/drawing/2014/main" id="{318AC9A0-1E95-4A69-AF87-AE43523E0071}"/>
               </a:ext>
             </a:extLst>
           </p:cNvPr>
@@ -23494,8 +23521,8 @@
         </p:nvSpPr>
         <p:spPr>
           <a:xfrm>
-            <a:off x="8134350" y="1225034"/>
-            <a:ext cx="1866900" cy="369332"/>
+            <a:off x="2519680" y="1358424"/>
+            <a:ext cx="1056640" cy="369332"/>
           </a:xfrm>
           <a:prstGeom prst="rect">
             <a:avLst/>
@@ -23510,17 +23537,17 @@
           <a:p>
             <a:r>
               <a:rPr lang="en-ID" dirty="0"/>
-              <a:t>Morris Sensitivity</a:t>
+              <a:t>GAM</a:t>
             </a:r>
           </a:p>
         </p:txBody>
       </p:sp>
       <p:sp>
         <p:nvSpPr>
-          <p:cNvPr id="4" name="文字方塊 3">
+          <p:cNvPr id="7" name="文字方塊 6">
             <a:extLst>
               <a:ext uri="{FF2B5EF4-FFF2-40B4-BE49-F238E27FC236}">
-                <a16:creationId xmlns:a16="http://schemas.microsoft.com/office/drawing/2014/main" id="{E472E315-BBD6-44E1-9B99-BCC8BFF42EAE}"/>
+                <a16:creationId xmlns:a16="http://schemas.microsoft.com/office/drawing/2014/main" id="{66FCB35C-E98A-40BB-B8CB-E86B5DF7DA6E}"/>
               </a:ext>
             </a:extLst>
           </p:cNvPr>
@@ -23529,8 +23556,8 @@
         </p:nvSpPr>
         <p:spPr>
           <a:xfrm>
-            <a:off x="7153277" y="1783139"/>
-            <a:ext cx="3952873" cy="3139321"/>
+            <a:off x="2519680" y="2414488"/>
+            <a:ext cx="1056640" cy="369332"/>
           </a:xfrm>
           <a:prstGeom prst="rect">
             <a:avLst/>
@@ -23545,32 +23572,249 @@
           <a:p>
             <a:r>
               <a:rPr lang="en-ID" dirty="0"/>
-              <a:t>“Sensitivity analysis looks at how the output of a model (i.e. simulation) varies, as the inputs are changed.“</a:t>
-            </a:r>
-          </a:p>
-          <a:p>
+              <a:t>GA2M</a:t>
+            </a:r>
+          </a:p>
+        </p:txBody>
+      </p:sp>
+      <p:sp>
+        <p:nvSpPr>
+          <p:cNvPr id="8" name="文字方塊 7">
+            <a:extLst>
+              <a:ext uri="{FF2B5EF4-FFF2-40B4-BE49-F238E27FC236}">
+                <a16:creationId xmlns:a16="http://schemas.microsoft.com/office/drawing/2014/main" id="{23119638-934B-43BF-B77D-5FE6B1054822}"/>
+              </a:ext>
+            </a:extLst>
+          </p:cNvPr>
+          <p:cNvSpPr txBox="1"/>
+          <p:nvPr/>
+        </p:nvSpPr>
+        <p:spPr>
+          <a:xfrm>
+            <a:off x="1529080" y="3429000"/>
+            <a:ext cx="3037840" cy="369332"/>
+          </a:xfrm>
+          <a:prstGeom prst="rect">
+            <a:avLst/>
+          </a:prstGeom>
+          <a:noFill/>
+        </p:spPr>
+        <p:txBody>
+          <a:bodyPr wrap="square" rtlCol="0">
+            <a:spAutoFit/>
+          </a:bodyPr>
+          <a:lstStyle/>
+          <a:p>
+            <a:r>
+              <a:rPr lang="zh-TW" altLang="en-US" dirty="0"/>
+              <a:t>即加入</a:t>
+            </a:r>
+            <a:r>
+              <a:rPr lang="en-ID" altLang="zh-TW" dirty="0"/>
+              <a:t>Pairwise Interactions</a:t>
+            </a:r>
             <a:endParaRPr lang="en-ID" dirty="0"/>
           </a:p>
-          <a:p>
-            <a:r>
-              <a:rPr lang="en-ID" dirty="0"/>
-              <a:t>“The Morris method (Morris, 1991) allows the user to identify influential and non-influential numeric inputs.”</a:t>
-            </a:r>
+        </p:txBody>
+      </p:sp>
+      <p:sp>
+        <p:nvSpPr>
+          <p:cNvPr id="9" name="文字方塊 8">
+            <a:extLst>
+              <a:ext uri="{FF2B5EF4-FFF2-40B4-BE49-F238E27FC236}">
+                <a16:creationId xmlns:a16="http://schemas.microsoft.com/office/drawing/2014/main" id="{74A4C434-A113-4373-A4D2-DC9886942D72}"/>
+              </a:ext>
+            </a:extLst>
+          </p:cNvPr>
+          <p:cNvSpPr txBox="1"/>
+          <p:nvPr/>
+        </p:nvSpPr>
+        <p:spPr>
+          <a:xfrm>
+            <a:off x="6647180" y="2240955"/>
+            <a:ext cx="810260" cy="276999"/>
+          </a:xfrm>
+          <a:prstGeom prst="rect">
+            <a:avLst/>
+          </a:prstGeom>
+          <a:noFill/>
+        </p:spPr>
+        <p:txBody>
+          <a:bodyPr wrap="square" rtlCol="0">
+            <a:spAutoFit/>
+          </a:bodyPr>
+          <a:lstStyle/>
+          <a:p>
+            <a:r>
+              <a:rPr lang="en-ID" altLang="zh-TW" sz="1200" dirty="0">
+                <a:solidFill>
+                  <a:srgbClr val="FF0000"/>
+                </a:solidFill>
+              </a:rPr>
+              <a:t>accuracy</a:t>
+            </a:r>
+            <a:endParaRPr lang="en-ID" sz="1200" dirty="0">
+              <a:solidFill>
+                <a:srgbClr val="FF0000"/>
+              </a:solidFill>
+            </a:endParaRPr>
+          </a:p>
+        </p:txBody>
+      </p:sp>
+      <p:sp>
+        <p:nvSpPr>
+          <p:cNvPr id="10" name="文字方塊 9">
+            <a:extLst>
+              <a:ext uri="{FF2B5EF4-FFF2-40B4-BE49-F238E27FC236}">
+                <a16:creationId xmlns:a16="http://schemas.microsoft.com/office/drawing/2014/main" id="{58762DC7-FD51-4C8D-9E56-F4EF53F750B9}"/>
+              </a:ext>
+            </a:extLst>
+          </p:cNvPr>
+          <p:cNvSpPr txBox="1"/>
+          <p:nvPr/>
+        </p:nvSpPr>
+        <p:spPr>
+          <a:xfrm>
+            <a:off x="196532" y="4048978"/>
+            <a:ext cx="5039360" cy="1200329"/>
+          </a:xfrm>
+          <a:prstGeom prst="rect">
+            <a:avLst/>
+          </a:prstGeom>
+          <a:noFill/>
+        </p:spPr>
+        <p:txBody>
+          <a:bodyPr wrap="square" rtlCol="0">
+            <a:spAutoFit/>
+          </a:bodyPr>
+          <a:lstStyle/>
+          <a:p>
+            <a:r>
+              <a:rPr lang="zh-TW" altLang="en-US" dirty="0"/>
+              <a:t>假設樣條</a:t>
+            </a:r>
+            <a:r>
+              <a:rPr lang="en-US" altLang="zh-TW" dirty="0"/>
+              <a:t>(spline)</a:t>
+            </a:r>
+            <a:r>
+              <a:rPr lang="zh-TW" altLang="en-US" dirty="0"/>
+              <a:t>函數，則</a:t>
+            </a:r>
+            <a:r>
+              <a:rPr lang="en-ID" altLang="zh-TW" dirty="0"/>
+              <a:t>fit a GAM model</a:t>
+            </a:r>
+            <a:r>
+              <a:rPr lang="zh-TW" altLang="en-US" dirty="0"/>
+              <a:t>可簡化為</a:t>
+            </a:r>
+            <a:r>
+              <a:rPr lang="en-ID" altLang="zh-TW" dirty="0"/>
+              <a:t>fit a GLM model =&gt; </a:t>
+            </a:r>
+            <a:r>
+              <a:rPr lang="zh-TW" altLang="en-US" dirty="0"/>
+              <a:t>使用最小平方法</a:t>
+            </a:r>
+            <a:endParaRPr lang="en-ID" altLang="zh-TW" dirty="0"/>
+          </a:p>
+          <a:p>
+            <a:r>
+              <a:rPr lang="zh-TW" altLang="en-US" dirty="0"/>
+              <a:t>但如果要偵測交叉項，最小平方法過於緩慢</a:t>
+            </a:r>
+            <a:endParaRPr lang="en-ID" altLang="zh-TW" dirty="0"/>
           </a:p>
           <a:p>
             <a:endParaRPr lang="en-ID" dirty="0"/>
           </a:p>
-          <a:p>
-            <a:r>
-              <a:rPr lang="en-ID" dirty="0"/>
-              <a:t>From </a:t>
-            </a:r>
-            <a:r>
-              <a:rPr lang="en-ID" dirty="0">
-                <a:hlinkClick r:id="rId2"/>
-              </a:rPr>
-              <a:t>http://www.apsim.info/ApsimxFiles/Sensitivity_MorrisMethod3641.pdf</a:t>
-            </a:r>
+        </p:txBody>
+      </p:sp>
+      <p:sp>
+        <p:nvSpPr>
+          <p:cNvPr id="11" name="文字方塊 10">
+            <a:extLst>
+              <a:ext uri="{FF2B5EF4-FFF2-40B4-BE49-F238E27FC236}">
+                <a16:creationId xmlns:a16="http://schemas.microsoft.com/office/drawing/2014/main" id="{EB88ACFD-5130-4C3A-9743-DF188FEF4377}"/>
+              </a:ext>
+            </a:extLst>
+          </p:cNvPr>
+          <p:cNvSpPr txBox="1"/>
+          <p:nvPr/>
+        </p:nvSpPr>
+        <p:spPr>
+          <a:xfrm>
+            <a:off x="5273040" y="4640541"/>
+            <a:ext cx="5593714" cy="1477328"/>
+          </a:xfrm>
+          <a:prstGeom prst="rect">
+            <a:avLst/>
+          </a:prstGeom>
+          <a:noFill/>
+        </p:spPr>
+        <p:txBody>
+          <a:bodyPr wrap="square" rtlCol="0">
+            <a:spAutoFit/>
+          </a:bodyPr>
+          <a:lstStyle/>
+          <a:p>
+            <a:r>
+              <a:rPr lang="zh-TW" altLang="en-US" dirty="0"/>
+              <a:t>先使用最小平方法</a:t>
+            </a:r>
+            <a:r>
+              <a:rPr lang="en-ID" altLang="zh-TW" dirty="0"/>
+              <a:t>fit a base GAM model</a:t>
+            </a:r>
+          </a:p>
+          <a:p>
+            <a:r>
+              <a:rPr lang="zh-TW" altLang="en-US" dirty="0"/>
+              <a:t>把此</a:t>
+            </a:r>
+            <a:r>
+              <a:rPr lang="en-ID" altLang="zh-TW" dirty="0"/>
+              <a:t>model</a:t>
+            </a:r>
+            <a:r>
+              <a:rPr lang="zh-TW" altLang="en-US" dirty="0"/>
+              <a:t>剩下的殘差</a:t>
+            </a:r>
+            <a:r>
+              <a:rPr lang="en-ID" altLang="zh-TW" dirty="0"/>
+              <a:t>( R ) </a:t>
+            </a:r>
+            <a:r>
+              <a:rPr lang="zh-TW" altLang="en-US" dirty="0"/>
+              <a:t>用交叉項的</a:t>
+            </a:r>
+            <a:r>
+              <a:rPr lang="en-ID" altLang="zh-TW" dirty="0"/>
+              <a:t>Model</a:t>
+            </a:r>
+            <a:r>
+              <a:rPr lang="zh-TW" altLang="en-US" dirty="0"/>
+              <a:t>來解釋</a:t>
+            </a:r>
+            <a:endParaRPr lang="en-ID" altLang="zh-TW" dirty="0"/>
+          </a:p>
+          <a:p>
+            <a:r>
+              <a:rPr lang="zh-TW" altLang="en-US" dirty="0"/>
+              <a:t>每一次找出一組最具影響的交叉項，加入模型，直到</a:t>
+            </a:r>
+            <a:r>
+              <a:rPr lang="en-ID" altLang="zh-TW" dirty="0"/>
+              <a:t>accuracy</a:t>
+            </a:r>
+            <a:r>
+              <a:rPr lang="zh-TW" altLang="en-US" dirty="0"/>
+              <a:t>不再顯著增加為止</a:t>
+            </a:r>
+            <a:endParaRPr lang="en-ID" altLang="zh-TW" dirty="0"/>
+          </a:p>
+          <a:p>
             <a:endParaRPr lang="en-ID" dirty="0"/>
           </a:p>
         </p:txBody>
@@ -23578,7 +23822,7 @@
     </p:spTree>
     <p:extLst>
       <p:ext uri="{BB962C8B-B14F-4D97-AF65-F5344CB8AC3E}">
-        <p14:creationId xmlns:p14="http://schemas.microsoft.com/office/powerpoint/2010/main" val="2245817601"/>
+        <p14:creationId xmlns:p14="http://schemas.microsoft.com/office/powerpoint/2010/main" val="4183399393"/>
       </p:ext>
     </p:extLst>
   </p:cSld>
@@ -23622,7 +23866,7 @@
           <p:cNvPr id="2" name="文字方塊 1">
             <a:extLst>
               <a:ext uri="{FF2B5EF4-FFF2-40B4-BE49-F238E27FC236}">
-                <a16:creationId xmlns:a16="http://schemas.microsoft.com/office/drawing/2014/main" id="{8CE5D331-9818-4F38-9223-6875C0537408}"/>
+                <a16:creationId xmlns:a16="http://schemas.microsoft.com/office/drawing/2014/main" id="{A34695EF-0E65-4207-B458-14CD4B8540D3}"/>
               </a:ext>
             </a:extLst>
           </p:cNvPr>
@@ -23631,8 +23875,8 @@
         </p:nvSpPr>
         <p:spPr>
           <a:xfrm>
-            <a:off x="4895850" y="674132"/>
-            <a:ext cx="2552700" cy="369332"/>
+            <a:off x="3535680" y="1513840"/>
+            <a:ext cx="5262880" cy="1477328"/>
           </a:xfrm>
           <a:prstGeom prst="rect">
             <a:avLst/>
@@ -23645,17 +23889,138 @@
           </a:bodyPr>
           <a:lstStyle/>
           <a:p>
-            <a:r>
-              <a:rPr lang="en-ID" dirty="0"/>
-              <a:t>GA2M Algorithm</a:t>
-            </a:r>
+            <a:pPr algn="ctr"/>
+            <a:r>
+              <a:rPr lang="zh-TW" altLang="en-US" dirty="0"/>
+              <a:t>裡面還有一個</a:t>
+            </a:r>
+            <a:r>
+              <a:rPr lang="en-ID" altLang="zh-TW" dirty="0"/>
+              <a:t>Microsoft</a:t>
+            </a:r>
+            <a:r>
+              <a:rPr lang="zh-TW" altLang="en-US" dirty="0"/>
+              <a:t>命名為</a:t>
+            </a:r>
+            <a:r>
+              <a:rPr lang="en-ID" altLang="zh-TW" dirty="0"/>
+              <a:t>FAST</a:t>
+            </a:r>
+            <a:r>
+              <a:rPr lang="zh-TW" altLang="en-US" dirty="0"/>
+              <a:t>的演算法</a:t>
+            </a:r>
+            <a:endParaRPr lang="en-ID" altLang="zh-TW" dirty="0"/>
+          </a:p>
+          <a:p>
+            <a:pPr algn="ctr"/>
+            <a:r>
+              <a:rPr lang="zh-TW" altLang="en-US" dirty="0"/>
+              <a:t>主要是用來加速計算</a:t>
+            </a:r>
+            <a:r>
+              <a:rPr lang="en-ID" altLang="zh-TW" dirty="0"/>
+              <a:t>GA2M</a:t>
+            </a:r>
+            <a:r>
+              <a:rPr lang="zh-TW" altLang="en-US" dirty="0"/>
+              <a:t>的速度</a:t>
+            </a:r>
+            <a:r>
+              <a:rPr lang="en-ID" altLang="zh-TW" dirty="0"/>
+              <a:t>(in a small cost of accuracy)</a:t>
+            </a:r>
+          </a:p>
+          <a:p>
+            <a:pPr algn="ctr"/>
+            <a:r>
+              <a:rPr lang="zh-TW" altLang="en-US" dirty="0"/>
+              <a:t>改善以前</a:t>
+            </a:r>
+            <a:r>
+              <a:rPr lang="en-ID" altLang="zh-TW" dirty="0"/>
+              <a:t>GAM</a:t>
+            </a:r>
+            <a:r>
+              <a:rPr lang="zh-TW" altLang="en-US" dirty="0"/>
+              <a:t>比較不效率的方法</a:t>
+            </a:r>
+            <a:endParaRPr lang="en-ID" altLang="zh-TW" dirty="0"/>
+          </a:p>
+          <a:p>
+            <a:pPr algn="ctr"/>
+            <a:r>
+              <a:rPr lang="zh-TW" altLang="en-US" dirty="0"/>
+              <a:t>這邊就不特別介紹了</a:t>
+            </a:r>
+            <a:endParaRPr lang="en-ID" dirty="0"/>
           </a:p>
         </p:txBody>
       </p:sp>
+      <p:pic>
+        <p:nvPicPr>
+          <p:cNvPr id="3" name="圖片 2">
+            <a:extLst>
+              <a:ext uri="{FF2B5EF4-FFF2-40B4-BE49-F238E27FC236}">
+                <a16:creationId xmlns:a16="http://schemas.microsoft.com/office/drawing/2014/main" id="{AFCCCDF8-7D85-4926-8D53-E1181F073483}"/>
+              </a:ext>
+            </a:extLst>
+          </p:cNvPr>
+          <p:cNvPicPr>
+            <a:picLocks noChangeAspect="1"/>
+          </p:cNvPicPr>
+          <p:nvPr/>
+        </p:nvPicPr>
+        <p:blipFill>
+          <a:blip r:embed="rId2"/>
+          <a:stretch>
+            <a:fillRect/>
+          </a:stretch>
+        </p:blipFill>
+        <p:spPr>
+          <a:xfrm>
+            <a:off x="5801995" y="3105295"/>
+            <a:ext cx="4662170" cy="2686674"/>
+          </a:xfrm>
+          <a:prstGeom prst="rect">
+            <a:avLst/>
+          </a:prstGeom>
+        </p:spPr>
+      </p:pic>
+      <p:pic>
+        <p:nvPicPr>
+          <p:cNvPr id="4" name="圖片 3">
+            <a:extLst>
+              <a:ext uri="{FF2B5EF4-FFF2-40B4-BE49-F238E27FC236}">
+                <a16:creationId xmlns:a16="http://schemas.microsoft.com/office/drawing/2014/main" id="{7F142D46-2111-432B-82E8-3F5B7E20DC6F}"/>
+              </a:ext>
+            </a:extLst>
+          </p:cNvPr>
+          <p:cNvPicPr>
+            <a:picLocks noChangeAspect="1"/>
+          </p:cNvPicPr>
+          <p:nvPr/>
+        </p:nvPicPr>
+        <p:blipFill>
+          <a:blip r:embed="rId3"/>
+          <a:stretch>
+            <a:fillRect/>
+          </a:stretch>
+        </p:blipFill>
+        <p:spPr>
+          <a:xfrm>
+            <a:off x="1454467" y="3020350"/>
+            <a:ext cx="3544888" cy="2686858"/>
+          </a:xfrm>
+          <a:prstGeom prst="rect">
+            <a:avLst/>
+          </a:prstGeom>
+        </p:spPr>
+      </p:pic>
     </p:spTree>
     <p:extLst>
       <p:ext uri="{BB962C8B-B14F-4D97-AF65-F5344CB8AC3E}">
-        <p14:creationId xmlns:p14="http://schemas.microsoft.com/office/powerpoint/2010/main" val="4183399393"/>
+        <p14:creationId xmlns:p14="http://schemas.microsoft.com/office/powerpoint/2010/main" val="767988145"/>
       </p:ext>
     </p:extLst>
   </p:cSld>
@@ -23696,10 +24061,10 @@
       </p:grpSpPr>
       <p:sp>
         <p:nvSpPr>
-          <p:cNvPr id="2" name="文字方塊 1">
+          <p:cNvPr id="3" name="文字方塊 2">
             <a:extLst>
               <a:ext uri="{FF2B5EF4-FFF2-40B4-BE49-F238E27FC236}">
-                <a16:creationId xmlns:a16="http://schemas.microsoft.com/office/drawing/2014/main" id="{16C88256-4AB0-498B-897B-8E720047D689}"/>
+                <a16:creationId xmlns:a16="http://schemas.microsoft.com/office/drawing/2014/main" id="{A14E559C-945E-44D7-B845-A5B62A68B154}"/>
               </a:ext>
             </a:extLst>
           </p:cNvPr>
@@ -23708,8 +24073,8 @@
         </p:nvSpPr>
         <p:spPr>
           <a:xfrm>
-            <a:off x="4410075" y="1790700"/>
-            <a:ext cx="3048000" cy="369332"/>
+            <a:off x="1285875" y="4524375"/>
+            <a:ext cx="4095750" cy="369332"/>
           </a:xfrm>
           <a:prstGeom prst="rect">
             <a:avLst/>
@@ -23723,12 +24088,16 @@
           <a:lstStyle/>
           <a:p>
             <a:r>
+              <a:rPr lang="en-ID" dirty="0"/>
+              <a:t>Local Explanations : LIME</a:t>
+            </a:r>
+            <a:r>
               <a:rPr lang="zh-TW" altLang="en-US" dirty="0"/>
-              <a:t>放圖、解釋、或實際</a:t>
-            </a:r>
-            <a:r>
-              <a:rPr lang="en-ID" altLang="zh-TW" dirty="0"/>
-              <a:t>demo</a:t>
+              <a:t>、</a:t>
+            </a:r>
+            <a:r>
+              <a:rPr lang="en-ID" altLang="zh-TW" dirty="0" err="1"/>
+              <a:t>KernelSHAP</a:t>
             </a:r>
             <a:endParaRPr lang="en-ID" dirty="0"/>
           </a:p>
@@ -23736,10 +24105,10 @@
       </p:sp>
       <p:sp>
         <p:nvSpPr>
-          <p:cNvPr id="3" name="文字方塊 2">
+          <p:cNvPr id="4" name="文字方塊 3">
             <a:extLst>
               <a:ext uri="{FF2B5EF4-FFF2-40B4-BE49-F238E27FC236}">
-                <a16:creationId xmlns:a16="http://schemas.microsoft.com/office/drawing/2014/main" id="{E3B5D872-A1C3-4E97-B935-478D87970167}"/>
+                <a16:creationId xmlns:a16="http://schemas.microsoft.com/office/drawing/2014/main" id="{DA1A67A1-B509-46A1-A498-A727232F7C33}"/>
               </a:ext>
             </a:extLst>
           </p:cNvPr>
@@ -23748,8 +24117,8 @@
         </p:nvSpPr>
         <p:spPr>
           <a:xfrm>
-            <a:off x="2981325" y="2379791"/>
-            <a:ext cx="5734050" cy="646331"/>
+            <a:off x="1285875" y="5391150"/>
+            <a:ext cx="6172200" cy="369332"/>
           </a:xfrm>
           <a:prstGeom prst="rect">
             <a:avLst/>
@@ -23762,23 +24131,17 @@
           </a:bodyPr>
           <a:lstStyle/>
           <a:p>
-            <a:pPr algn="ctr"/>
+            <a:r>
+              <a:rPr lang="en-ID" dirty="0"/>
+              <a:t>Global Explanations : Morris Sensitivity</a:t>
+            </a:r>
             <a:r>
               <a:rPr lang="zh-TW" altLang="en-US" dirty="0"/>
-              <a:t>資料集</a:t>
+              <a:t>、</a:t>
             </a:r>
             <a:r>
               <a:rPr lang="en-ID" altLang="zh-TW" dirty="0"/>
-              <a:t> – bank marketing dataset</a:t>
-            </a:r>
-          </a:p>
-          <a:p>
-            <a:pPr algn="ctr"/>
-            <a:r>
-              <a:rPr lang="en-ID" dirty="0">
-                <a:hlinkClick r:id="rId2"/>
-              </a:rPr>
-              <a:t>https://archive.ics.uci.edu/ml/datasets/Bank+Marketing</a:t>
+              <a:t>Partial Dependence</a:t>
             </a:r>
             <a:endParaRPr lang="en-ID" dirty="0"/>
           </a:p>
@@ -23786,10 +24149,10 @@
       </p:sp>
       <p:sp>
         <p:nvSpPr>
-          <p:cNvPr id="4" name="文字方塊 3">
+          <p:cNvPr id="5" name="文字方塊 4">
             <a:extLst>
               <a:ext uri="{FF2B5EF4-FFF2-40B4-BE49-F238E27FC236}">
-                <a16:creationId xmlns:a16="http://schemas.microsoft.com/office/drawing/2014/main" id="{A141029F-15C3-4692-AB82-21EFB0945DB4}"/>
+                <a16:creationId xmlns:a16="http://schemas.microsoft.com/office/drawing/2014/main" id="{6EBC8F25-60BC-4683-9250-1F75588790DD}"/>
               </a:ext>
             </a:extLst>
           </p:cNvPr>
@@ -23798,8 +24161,8 @@
         </p:nvSpPr>
         <p:spPr>
           <a:xfrm>
-            <a:off x="3257550" y="3245881"/>
-            <a:ext cx="5534025" cy="646331"/>
+            <a:off x="1285875" y="3842266"/>
+            <a:ext cx="5419725" cy="369333"/>
           </a:xfrm>
           <a:prstGeom prst="rect">
             <a:avLst/>
@@ -23812,37 +24175,154 @@
           </a:bodyPr>
           <a:lstStyle/>
           <a:p>
-            <a:pPr algn="ctr"/>
             <a:r>
               <a:rPr lang="zh-TW" altLang="en-US" dirty="0"/>
-              <a:t>其中一個</a:t>
+              <a:t>解釋方法</a:t>
             </a:r>
             <a:r>
               <a:rPr lang="en-ID" altLang="zh-TW" dirty="0"/>
-              <a:t>attribute (duration)</a:t>
+              <a:t>(</a:t>
             </a:r>
             <a:r>
               <a:rPr lang="zh-TW" altLang="en-US" dirty="0"/>
-              <a:t>算是有</a:t>
+              <a:t>可能還有更多，但底下是官方有介紹到的</a:t>
             </a:r>
             <a:r>
               <a:rPr lang="en-ID" altLang="zh-TW" dirty="0"/>
-              <a:t>data leakage</a:t>
-            </a:r>
-          </a:p>
-          <a:p>
-            <a:pPr algn="ctr"/>
+              <a:t>)</a:t>
+            </a:r>
+            <a:endParaRPr lang="en-ID" dirty="0"/>
+          </a:p>
+        </p:txBody>
+      </p:sp>
+      <p:sp>
+        <p:nvSpPr>
+          <p:cNvPr id="6" name="文字方塊 5">
+            <a:extLst>
+              <a:ext uri="{FF2B5EF4-FFF2-40B4-BE49-F238E27FC236}">
+                <a16:creationId xmlns:a16="http://schemas.microsoft.com/office/drawing/2014/main" id="{2FF95718-2470-41CC-8F4C-6A87140FE7B0}"/>
+              </a:ext>
+            </a:extLst>
+          </p:cNvPr>
+          <p:cNvSpPr txBox="1"/>
+          <p:nvPr/>
+        </p:nvSpPr>
+        <p:spPr>
+          <a:xfrm>
+            <a:off x="1300162" y="1462087"/>
+            <a:ext cx="3619500" cy="369332"/>
+          </a:xfrm>
+          <a:prstGeom prst="rect">
+            <a:avLst/>
+          </a:prstGeom>
+          <a:noFill/>
+        </p:spPr>
+        <p:txBody>
+          <a:bodyPr wrap="square" rtlCol="0">
+            <a:spAutoFit/>
+          </a:bodyPr>
+          <a:lstStyle/>
+          <a:p>
+            <a:r>
+              <a:rPr lang="zh-TW" altLang="en-US" dirty="0"/>
+              <a:t>預測方法</a:t>
+            </a:r>
+            <a:endParaRPr lang="en-ID" dirty="0"/>
+          </a:p>
+        </p:txBody>
+      </p:sp>
+      <p:sp>
+        <p:nvSpPr>
+          <p:cNvPr id="7" name="文字方塊 6">
+            <a:extLst>
+              <a:ext uri="{FF2B5EF4-FFF2-40B4-BE49-F238E27FC236}">
+                <a16:creationId xmlns:a16="http://schemas.microsoft.com/office/drawing/2014/main" id="{4CEE9970-3738-43F1-91D2-993308EF205A}"/>
+              </a:ext>
+            </a:extLst>
+          </p:cNvPr>
+          <p:cNvSpPr txBox="1"/>
+          <p:nvPr/>
+        </p:nvSpPr>
+        <p:spPr>
+          <a:xfrm>
+            <a:off x="1285874" y="1895474"/>
+            <a:ext cx="7267576" cy="646331"/>
+          </a:xfrm>
+          <a:prstGeom prst="rect">
+            <a:avLst/>
+          </a:prstGeom>
+          <a:noFill/>
+        </p:spPr>
+        <p:txBody>
+          <a:bodyPr wrap="square" rtlCol="0">
+            <a:spAutoFit/>
+          </a:bodyPr>
+          <a:lstStyle/>
+          <a:p>
+            <a:r>
+              <a:rPr lang="zh-TW" altLang="en-US" dirty="0"/>
+              <a:t>各種</a:t>
+            </a:r>
             <a:r>
               <a:rPr lang="en-ID" altLang="zh-TW" dirty="0"/>
-              <a:t>=&gt;</a:t>
+              <a:t>white box(</a:t>
             </a:r>
             <a:r>
               <a:rPr lang="zh-TW" altLang="en-US" dirty="0"/>
-              <a:t>多數準確的模型通常都會學到此</a:t>
+              <a:t>較好解釋的</a:t>
             </a:r>
             <a:r>
               <a:rPr lang="en-ID" altLang="zh-TW" dirty="0"/>
-              <a:t>feature</a:t>
+              <a:t>) model</a:t>
+            </a:r>
+            <a:r>
+              <a:rPr lang="zh-TW" altLang="en-US" dirty="0"/>
+              <a:t>或</a:t>
+            </a:r>
+            <a:r>
+              <a:rPr lang="en-ID" altLang="zh-TW" dirty="0"/>
+              <a:t>black box model</a:t>
+            </a:r>
+          </a:p>
+          <a:p>
+            <a:r>
+              <a:rPr lang="en-ID" dirty="0"/>
+              <a:t>EBM(Explainable Boosting Machine) from Microsoft  -  GA2M algorithm</a:t>
+            </a:r>
+          </a:p>
+        </p:txBody>
+      </p:sp>
+      <p:sp>
+        <p:nvSpPr>
+          <p:cNvPr id="2" name="文字方塊 1">
+            <a:extLst>
+              <a:ext uri="{FF2B5EF4-FFF2-40B4-BE49-F238E27FC236}">
+                <a16:creationId xmlns:a16="http://schemas.microsoft.com/office/drawing/2014/main" id="{521C5E1C-E64E-417F-9F32-D0881C78AAE7}"/>
+              </a:ext>
+            </a:extLst>
+          </p:cNvPr>
+          <p:cNvSpPr txBox="1"/>
+          <p:nvPr/>
+        </p:nvSpPr>
+        <p:spPr>
+          <a:xfrm>
+            <a:off x="6249035" y="531257"/>
+            <a:ext cx="1209040" cy="369332"/>
+          </a:xfrm>
+          <a:prstGeom prst="rect">
+            <a:avLst/>
+          </a:prstGeom>
+          <a:noFill/>
+        </p:spPr>
+        <p:txBody>
+          <a:bodyPr wrap="square" rtlCol="0">
+            <a:spAutoFit/>
+          </a:bodyPr>
+          <a:lstStyle/>
+          <a:p>
+            <a:r>
+              <a:rPr lang="en-ID" dirty="0"/>
+              <a:t>Use Case</a:t>
             </a:r>
           </a:p>
         </p:txBody>
@@ -23850,7 +24330,7 @@
     </p:spTree>
     <p:extLst>
       <p:ext uri="{BB962C8B-B14F-4D97-AF65-F5344CB8AC3E}">
-        <p14:creationId xmlns:p14="http://schemas.microsoft.com/office/powerpoint/2010/main" val="2813462979"/>
+        <p14:creationId xmlns:p14="http://schemas.microsoft.com/office/powerpoint/2010/main" val="2107876765"/>
       </p:ext>
     </p:extLst>
   </p:cSld>
@@ -24672,6 +25152,458 @@
           <p:cNvPr id="2" name="文字方塊 1">
             <a:extLst>
               <a:ext uri="{FF2B5EF4-FFF2-40B4-BE49-F238E27FC236}">
+                <a16:creationId xmlns:a16="http://schemas.microsoft.com/office/drawing/2014/main" id="{3B899EBD-4D88-44BC-8C2D-4F94E4D6118B}"/>
+              </a:ext>
+            </a:extLst>
+          </p:cNvPr>
+          <p:cNvSpPr txBox="1"/>
+          <p:nvPr/>
+        </p:nvSpPr>
+        <p:spPr>
+          <a:xfrm>
+            <a:off x="1854833" y="1783139"/>
+            <a:ext cx="3952873" cy="1200329"/>
+          </a:xfrm>
+          <a:prstGeom prst="rect">
+            <a:avLst/>
+          </a:prstGeom>
+          <a:noFill/>
+        </p:spPr>
+        <p:txBody>
+          <a:bodyPr wrap="square" rtlCol="0">
+            <a:spAutoFit/>
+          </a:bodyPr>
+          <a:lstStyle/>
+          <a:p>
+            <a:r>
+              <a:rPr lang="en-ID" dirty="0" err="1"/>
+              <a:t>Ebm</a:t>
+            </a:r>
+            <a:r>
+              <a:rPr lang="zh-TW" altLang="en-US" dirty="0"/>
+              <a:t>的預設解釋方法：</a:t>
+            </a:r>
+            <a:endParaRPr lang="en-ID" altLang="zh-TW" dirty="0"/>
+          </a:p>
+          <a:p>
+            <a:r>
+              <a:rPr lang="en-ID" altLang="zh-TW" dirty="0"/>
+              <a:t>Local </a:t>
+            </a:r>
+            <a:r>
+              <a:rPr lang="zh-TW" altLang="en-US" dirty="0"/>
+              <a:t>應該也是用</a:t>
+            </a:r>
+            <a:r>
+              <a:rPr lang="en-ID" altLang="zh-TW" dirty="0"/>
+              <a:t>Kernel SHAP</a:t>
+            </a:r>
+          </a:p>
+          <a:p>
+            <a:r>
+              <a:rPr lang="en-ID" altLang="zh-TW" dirty="0"/>
+              <a:t>Global </a:t>
+            </a:r>
+            <a:r>
+              <a:rPr lang="zh-TW" altLang="en-US" dirty="0"/>
+              <a:t>為</a:t>
+            </a:r>
+            <a:r>
+              <a:rPr lang="en-ID" altLang="zh-TW" dirty="0"/>
+              <a:t>Mean Absolute Score</a:t>
+            </a:r>
+          </a:p>
+          <a:p>
+            <a:r>
+              <a:rPr lang="zh-TW" altLang="en-US" dirty="0"/>
+              <a:t>但也可以使用之前提到的解釋方法</a:t>
+            </a:r>
+            <a:endParaRPr lang="en-ID" altLang="zh-TW" dirty="0"/>
+          </a:p>
+        </p:txBody>
+      </p:sp>
+      <p:sp>
+        <p:nvSpPr>
+          <p:cNvPr id="3" name="文字方塊 2">
+            <a:extLst>
+              <a:ext uri="{FF2B5EF4-FFF2-40B4-BE49-F238E27FC236}">
+                <a16:creationId xmlns:a16="http://schemas.microsoft.com/office/drawing/2014/main" id="{FEA35BF5-42AB-4AAB-90BF-BE34650BC845}"/>
+              </a:ext>
+            </a:extLst>
+          </p:cNvPr>
+          <p:cNvSpPr txBox="1"/>
+          <p:nvPr/>
+        </p:nvSpPr>
+        <p:spPr>
+          <a:xfrm>
+            <a:off x="8134350" y="1225034"/>
+            <a:ext cx="1866900" cy="369332"/>
+          </a:xfrm>
+          <a:prstGeom prst="rect">
+            <a:avLst/>
+          </a:prstGeom>
+          <a:noFill/>
+        </p:spPr>
+        <p:txBody>
+          <a:bodyPr wrap="square" rtlCol="0">
+            <a:spAutoFit/>
+          </a:bodyPr>
+          <a:lstStyle/>
+          <a:p>
+            <a:r>
+              <a:rPr lang="en-ID" dirty="0"/>
+              <a:t>Morris Sensitivity</a:t>
+            </a:r>
+          </a:p>
+        </p:txBody>
+      </p:sp>
+      <p:sp>
+        <p:nvSpPr>
+          <p:cNvPr id="4" name="文字方塊 3">
+            <a:extLst>
+              <a:ext uri="{FF2B5EF4-FFF2-40B4-BE49-F238E27FC236}">
+                <a16:creationId xmlns:a16="http://schemas.microsoft.com/office/drawing/2014/main" id="{E472E315-BBD6-44E1-9B99-BCC8BFF42EAE}"/>
+              </a:ext>
+            </a:extLst>
+          </p:cNvPr>
+          <p:cNvSpPr txBox="1"/>
+          <p:nvPr/>
+        </p:nvSpPr>
+        <p:spPr>
+          <a:xfrm>
+            <a:off x="7153277" y="1783139"/>
+            <a:ext cx="3952873" cy="3139321"/>
+          </a:xfrm>
+          <a:prstGeom prst="rect">
+            <a:avLst/>
+          </a:prstGeom>
+          <a:noFill/>
+        </p:spPr>
+        <p:txBody>
+          <a:bodyPr wrap="square" rtlCol="0">
+            <a:spAutoFit/>
+          </a:bodyPr>
+          <a:lstStyle/>
+          <a:p>
+            <a:r>
+              <a:rPr lang="en-ID" dirty="0"/>
+              <a:t>“Sensitivity analysis looks at how the output of a model (i.e. simulation) varies, as the inputs are changed.“</a:t>
+            </a:r>
+          </a:p>
+          <a:p>
+            <a:endParaRPr lang="en-ID" dirty="0"/>
+          </a:p>
+          <a:p>
+            <a:r>
+              <a:rPr lang="en-ID" dirty="0"/>
+              <a:t>“The Morris method (Morris, 1991) allows the user to identify influential and non-influential numeric inputs.”</a:t>
+            </a:r>
+          </a:p>
+          <a:p>
+            <a:endParaRPr lang="en-ID" dirty="0"/>
+          </a:p>
+          <a:p>
+            <a:r>
+              <a:rPr lang="en-ID" dirty="0"/>
+              <a:t>From </a:t>
+            </a:r>
+            <a:r>
+              <a:rPr lang="en-ID" dirty="0">
+                <a:hlinkClick r:id="rId2"/>
+              </a:rPr>
+              <a:t>http://www.apsim.info/ApsimxFiles/Sensitivity_MorrisMethod3641.pdf</a:t>
+            </a:r>
+            <a:endParaRPr lang="en-ID" dirty="0"/>
+          </a:p>
+        </p:txBody>
+      </p:sp>
+      <p:sp>
+        <p:nvSpPr>
+          <p:cNvPr id="5" name="文字方塊 4">
+            <a:extLst>
+              <a:ext uri="{FF2B5EF4-FFF2-40B4-BE49-F238E27FC236}">
+                <a16:creationId xmlns:a16="http://schemas.microsoft.com/office/drawing/2014/main" id="{B1D7C983-F542-4DA4-AFA9-140155020888}"/>
+              </a:ext>
+            </a:extLst>
+          </p:cNvPr>
+          <p:cNvSpPr txBox="1"/>
+          <p:nvPr/>
+        </p:nvSpPr>
+        <p:spPr>
+          <a:xfrm>
+            <a:off x="1854833" y="3352799"/>
+            <a:ext cx="3326767" cy="646331"/>
+          </a:xfrm>
+          <a:prstGeom prst="rect">
+            <a:avLst/>
+          </a:prstGeom>
+          <a:noFill/>
+        </p:spPr>
+        <p:txBody>
+          <a:bodyPr wrap="square" rtlCol="0">
+            <a:spAutoFit/>
+          </a:bodyPr>
+          <a:lstStyle/>
+          <a:p>
+            <a:pPr algn="ctr"/>
+            <a:r>
+              <a:rPr lang="zh-TW" altLang="en-US" dirty="0"/>
+              <a:t>結果解釋方法還是用跟</a:t>
+            </a:r>
+            <a:r>
+              <a:rPr lang="en-ID" altLang="zh-TW" dirty="0"/>
+              <a:t>black box</a:t>
+            </a:r>
+            <a:r>
+              <a:rPr lang="zh-TW" altLang="en-US" dirty="0"/>
+              <a:t>模型解釋方法一樣</a:t>
+            </a:r>
+            <a:endParaRPr lang="en-ID" dirty="0"/>
+          </a:p>
+        </p:txBody>
+      </p:sp>
+    </p:spTree>
+    <p:extLst>
+      <p:ext uri="{BB962C8B-B14F-4D97-AF65-F5344CB8AC3E}">
+        <p14:creationId xmlns:p14="http://schemas.microsoft.com/office/powerpoint/2010/main" val="2245817601"/>
+      </p:ext>
+    </p:extLst>
+  </p:cSld>
+  <p:clrMapOvr>
+    <a:masterClrMapping/>
+  </p:clrMapOvr>
+  <mc:AlternateContent xmlns:mc="http://schemas.openxmlformats.org/markup-compatibility/2006" xmlns:p14="http://schemas.microsoft.com/office/powerpoint/2010/main">
+    <mc:Choice Requires="p14">
+      <p:transition spd="slow" p14:dur="1500" advClick="0" advTm="0">
+        <p:random/>
+      </p:transition>
+    </mc:Choice>
+    <mc:Fallback xmlns="">
+      <p:transition spd="slow" advClick="0" advTm="0">
+        <p:random/>
+      </p:transition>
+    </mc:Fallback>
+  </mc:AlternateContent>
+</p:sld>
+</file>
+
+<file path=ppt/slides/slide31.xml><?xml version="1.0" encoding="utf-8"?>
+<p:sld xmlns:a="http://schemas.openxmlformats.org/drawingml/2006/main" xmlns:r="http://schemas.openxmlformats.org/officeDocument/2006/relationships" xmlns:p="http://schemas.openxmlformats.org/presentationml/2006/main">
+  <p:cSld>
+    <p:spTree>
+      <p:nvGrpSpPr>
+        <p:cNvPr id="1" name=""/>
+        <p:cNvGrpSpPr/>
+        <p:nvPr/>
+      </p:nvGrpSpPr>
+      <p:grpSpPr>
+        <a:xfrm>
+          <a:off x="0" y="0"/>
+          <a:ext cx="0" cy="0"/>
+          <a:chOff x="0" y="0"/>
+          <a:chExt cx="0" cy="0"/>
+        </a:xfrm>
+      </p:grpSpPr>
+      <p:sp>
+        <p:nvSpPr>
+          <p:cNvPr id="2" name="文字方塊 1">
+            <a:extLst>
+              <a:ext uri="{FF2B5EF4-FFF2-40B4-BE49-F238E27FC236}">
+                <a16:creationId xmlns:a16="http://schemas.microsoft.com/office/drawing/2014/main" id="{16C88256-4AB0-498B-897B-8E720047D689}"/>
+              </a:ext>
+            </a:extLst>
+          </p:cNvPr>
+          <p:cNvSpPr txBox="1"/>
+          <p:nvPr/>
+        </p:nvSpPr>
+        <p:spPr>
+          <a:xfrm>
+            <a:off x="4410075" y="1790700"/>
+            <a:ext cx="3048000" cy="369332"/>
+          </a:xfrm>
+          <a:prstGeom prst="rect">
+            <a:avLst/>
+          </a:prstGeom>
+          <a:noFill/>
+        </p:spPr>
+        <p:txBody>
+          <a:bodyPr wrap="square" rtlCol="0">
+            <a:spAutoFit/>
+          </a:bodyPr>
+          <a:lstStyle/>
+          <a:p>
+            <a:r>
+              <a:rPr lang="zh-TW" altLang="en-US" dirty="0"/>
+              <a:t>放圖、解釋、或實際</a:t>
+            </a:r>
+            <a:r>
+              <a:rPr lang="en-ID" altLang="zh-TW" dirty="0"/>
+              <a:t>demo</a:t>
+            </a:r>
+            <a:endParaRPr lang="en-ID" dirty="0"/>
+          </a:p>
+        </p:txBody>
+      </p:sp>
+      <p:sp>
+        <p:nvSpPr>
+          <p:cNvPr id="3" name="文字方塊 2">
+            <a:extLst>
+              <a:ext uri="{FF2B5EF4-FFF2-40B4-BE49-F238E27FC236}">
+                <a16:creationId xmlns:a16="http://schemas.microsoft.com/office/drawing/2014/main" id="{E3B5D872-A1C3-4E97-B935-478D87970167}"/>
+              </a:ext>
+            </a:extLst>
+          </p:cNvPr>
+          <p:cNvSpPr txBox="1"/>
+          <p:nvPr/>
+        </p:nvSpPr>
+        <p:spPr>
+          <a:xfrm>
+            <a:off x="2981325" y="2379791"/>
+            <a:ext cx="5734050" cy="646331"/>
+          </a:xfrm>
+          <a:prstGeom prst="rect">
+            <a:avLst/>
+          </a:prstGeom>
+          <a:noFill/>
+        </p:spPr>
+        <p:txBody>
+          <a:bodyPr wrap="square" rtlCol="0">
+            <a:spAutoFit/>
+          </a:bodyPr>
+          <a:lstStyle/>
+          <a:p>
+            <a:pPr algn="ctr"/>
+            <a:r>
+              <a:rPr lang="zh-TW" altLang="en-US" dirty="0"/>
+              <a:t>資料集</a:t>
+            </a:r>
+            <a:r>
+              <a:rPr lang="en-ID" altLang="zh-TW" dirty="0"/>
+              <a:t> – bank marketing dataset</a:t>
+            </a:r>
+          </a:p>
+          <a:p>
+            <a:pPr algn="ctr"/>
+            <a:r>
+              <a:rPr lang="en-ID" dirty="0">
+                <a:hlinkClick r:id="rId2"/>
+              </a:rPr>
+              <a:t>https://archive.ics.uci.edu/ml/datasets/Bank+Marketing</a:t>
+            </a:r>
+            <a:endParaRPr lang="en-ID" dirty="0"/>
+          </a:p>
+        </p:txBody>
+      </p:sp>
+      <p:sp>
+        <p:nvSpPr>
+          <p:cNvPr id="4" name="文字方塊 3">
+            <a:extLst>
+              <a:ext uri="{FF2B5EF4-FFF2-40B4-BE49-F238E27FC236}">
+                <a16:creationId xmlns:a16="http://schemas.microsoft.com/office/drawing/2014/main" id="{A141029F-15C3-4692-AB82-21EFB0945DB4}"/>
+              </a:ext>
+            </a:extLst>
+          </p:cNvPr>
+          <p:cNvSpPr txBox="1"/>
+          <p:nvPr/>
+        </p:nvSpPr>
+        <p:spPr>
+          <a:xfrm>
+            <a:off x="3257550" y="3245881"/>
+            <a:ext cx="5534025" cy="646331"/>
+          </a:xfrm>
+          <a:prstGeom prst="rect">
+            <a:avLst/>
+          </a:prstGeom>
+          <a:noFill/>
+        </p:spPr>
+        <p:txBody>
+          <a:bodyPr wrap="square" rtlCol="0">
+            <a:spAutoFit/>
+          </a:bodyPr>
+          <a:lstStyle/>
+          <a:p>
+            <a:pPr algn="ctr"/>
+            <a:r>
+              <a:rPr lang="zh-TW" altLang="en-US" dirty="0"/>
+              <a:t>其中一個</a:t>
+            </a:r>
+            <a:r>
+              <a:rPr lang="en-ID" altLang="zh-TW" dirty="0"/>
+              <a:t>attribute (duration)</a:t>
+            </a:r>
+            <a:r>
+              <a:rPr lang="zh-TW" altLang="en-US" dirty="0"/>
+              <a:t>算是有</a:t>
+            </a:r>
+            <a:r>
+              <a:rPr lang="en-ID" altLang="zh-TW" dirty="0"/>
+              <a:t>data leakage</a:t>
+            </a:r>
+          </a:p>
+          <a:p>
+            <a:pPr algn="ctr"/>
+            <a:r>
+              <a:rPr lang="en-ID" altLang="zh-TW" dirty="0"/>
+              <a:t>=&gt;</a:t>
+            </a:r>
+            <a:r>
+              <a:rPr lang="zh-TW" altLang="en-US" dirty="0"/>
+              <a:t>多數準確的模型通常都會學到此</a:t>
+            </a:r>
+            <a:r>
+              <a:rPr lang="en-ID" altLang="zh-TW" dirty="0"/>
+              <a:t>feature</a:t>
+            </a:r>
+          </a:p>
+        </p:txBody>
+      </p:sp>
+    </p:spTree>
+    <p:extLst>
+      <p:ext uri="{BB962C8B-B14F-4D97-AF65-F5344CB8AC3E}">
+        <p14:creationId xmlns:p14="http://schemas.microsoft.com/office/powerpoint/2010/main" val="2813462979"/>
+      </p:ext>
+    </p:extLst>
+  </p:cSld>
+  <p:clrMapOvr>
+    <a:masterClrMapping/>
+  </p:clrMapOvr>
+  <mc:AlternateContent xmlns:mc="http://schemas.openxmlformats.org/markup-compatibility/2006" xmlns:p14="http://schemas.microsoft.com/office/powerpoint/2010/main">
+    <mc:Choice Requires="p14">
+      <p:transition spd="slow" p14:dur="1500" advClick="0" advTm="0">
+        <p:random/>
+      </p:transition>
+    </mc:Choice>
+    <mc:Fallback xmlns="">
+      <p:transition spd="slow" advClick="0" advTm="0">
+        <p:random/>
+      </p:transition>
+    </mc:Fallback>
+  </mc:AlternateContent>
+</p:sld>
+</file>
+
+<file path=ppt/slides/slide32.xml><?xml version="1.0" encoding="utf-8"?>
+<p:sld xmlns:a="http://schemas.openxmlformats.org/drawingml/2006/main" xmlns:r="http://schemas.openxmlformats.org/officeDocument/2006/relationships" xmlns:p="http://schemas.openxmlformats.org/presentationml/2006/main">
+  <p:cSld>
+    <p:spTree>
+      <p:nvGrpSpPr>
+        <p:cNvPr id="1" name=""/>
+        <p:cNvGrpSpPr/>
+        <p:nvPr/>
+      </p:nvGrpSpPr>
+      <p:grpSpPr>
+        <a:xfrm>
+          <a:off x="0" y="0"/>
+          <a:ext cx="0" cy="0"/>
+          <a:chOff x="0" y="0"/>
+          <a:chExt cx="0" cy="0"/>
+        </a:xfrm>
+      </p:grpSpPr>
+      <p:sp>
+        <p:nvSpPr>
+          <p:cNvPr id="2" name="文字方塊 1">
+            <a:extLst>
+              <a:ext uri="{FF2B5EF4-FFF2-40B4-BE49-F238E27FC236}">
                 <a16:creationId xmlns:a16="http://schemas.microsoft.com/office/drawing/2014/main" id="{A890E0A9-411C-4F5D-A3C9-051232B948A9}"/>
               </a:ext>
             </a:extLst>
@@ -24811,7 +25743,7 @@
 </p:sld>
 </file>
 
-<file path=ppt/slides/slide31.xml><?xml version="1.0" encoding="utf-8"?>
+<file path=ppt/slides/slide33.xml><?xml version="1.0" encoding="utf-8"?>
 <p:sld xmlns:a="http://schemas.openxmlformats.org/drawingml/2006/main" xmlns:r="http://schemas.openxmlformats.org/officeDocument/2006/relationships" xmlns:p="http://schemas.openxmlformats.org/presentationml/2006/main">
   <p:cSld>
     <p:spTree>
@@ -25589,7 +26521,7 @@
 </p:sld>
 </file>
 
-<file path=ppt/slides/slide32.xml><?xml version="1.0" encoding="utf-8"?>
+<file path=ppt/slides/slide34.xml><?xml version="1.0" encoding="utf-8"?>
 <p:sld xmlns:a="http://schemas.openxmlformats.org/drawingml/2006/main" xmlns:r="http://schemas.openxmlformats.org/officeDocument/2006/relationships" xmlns:p="http://schemas.openxmlformats.org/presentationml/2006/main">
   <p:cSld>
     <p:spTree>
@@ -25955,7 +26887,7 @@
 </p:sld>
 </file>
 
-<file path=ppt/slides/slide33.xml><?xml version="1.0" encoding="utf-8"?>
+<file path=ppt/slides/slide35.xml><?xml version="1.0" encoding="utf-8"?>
 <p:sld xmlns:a="http://schemas.openxmlformats.org/drawingml/2006/main" xmlns:r="http://schemas.openxmlformats.org/officeDocument/2006/relationships" xmlns:p="http://schemas.openxmlformats.org/presentationml/2006/main">
   <p:cSld>
     <p:spTree>
@@ -26370,7 +27302,7 @@
 </p:sld>
 </file>
 
-<file path=ppt/slides/slide34.xml><?xml version="1.0" encoding="utf-8"?>
+<file path=ppt/slides/slide36.xml><?xml version="1.0" encoding="utf-8"?>
 <p:sld xmlns:a="http://schemas.openxmlformats.org/drawingml/2006/main" xmlns:r="http://schemas.openxmlformats.org/officeDocument/2006/relationships" xmlns:p="http://schemas.openxmlformats.org/presentationml/2006/main">
   <p:cSld>
     <p:spTree>
@@ -26833,7 +27765,7 @@
 </p:sld>
 </file>
 
-<file path=ppt/slides/slide35.xml><?xml version="1.0" encoding="utf-8"?>
+<file path=ppt/slides/slide37.xml><?xml version="1.0" encoding="utf-8"?>
 <p:sld xmlns:a="http://schemas.openxmlformats.org/drawingml/2006/main" xmlns:r="http://schemas.openxmlformats.org/officeDocument/2006/relationships" xmlns:p="http://schemas.openxmlformats.org/presentationml/2006/main">
   <p:cSld>
     <p:spTree>
@@ -26939,8 +27871,8 @@
         </p:blipFill>
         <p:spPr>
           <a:xfrm>
-            <a:off x="1204913" y="1362421"/>
-            <a:ext cx="4081464" cy="4032957"/>
+            <a:off x="1204913" y="1362422"/>
+            <a:ext cx="3915727" cy="3869190"/>
           </a:xfrm>
           <a:prstGeom prst="rect">
             <a:avLst/>
@@ -26969,8 +27901,8 @@
         </p:blipFill>
         <p:spPr>
           <a:xfrm>
-            <a:off x="6419851" y="1261034"/>
-            <a:ext cx="4567236" cy="4315684"/>
+            <a:off x="6460490" y="1362420"/>
+            <a:ext cx="4160065" cy="3930939"/>
           </a:xfrm>
           <a:prstGeom prst="rect">
             <a:avLst/>
@@ -27062,7 +27994,7 @@
         <p:spPr>
           <a:xfrm>
             <a:off x="840581" y="5395378"/>
-            <a:ext cx="4567237" cy="986372"/>
+            <a:ext cx="4567237" cy="1169551"/>
           </a:xfrm>
           <a:prstGeom prst="rect">
             <a:avLst/>
@@ -27133,7 +28065,19 @@
           <a:p>
             <a:r>
               <a:rPr lang="zh-TW" altLang="en-US" sz="1400" dirty="0"/>
-              <a:t>重複多次組合，每一次組合一個</a:t>
+              <a:t>重複</a:t>
+            </a:r>
+            <a:r>
+              <a:rPr lang="zh-TW" altLang="en-US" sz="1400" dirty="0">
+                <a:solidFill>
+                  <a:srgbClr val="FF0000"/>
+                </a:solidFill>
+              </a:rPr>
+              <a:t>多次</a:t>
+            </a:r>
+            <a:r>
+              <a:rPr lang="zh-TW" altLang="en-US" sz="1400" dirty="0"/>
+              <a:t>組合，每一次組合一組各資料的</a:t>
             </a:r>
             <a:r>
               <a:rPr lang="en-ID" altLang="zh-TW" sz="1400" dirty="0" err="1"/>
@@ -27148,6 +28092,530 @@
               <a:t>，取平均</a:t>
             </a:r>
             <a:endParaRPr lang="en-ID" sz="1400" dirty="0"/>
+          </a:p>
+        </p:txBody>
+      </p:sp>
+      <p:sp>
+        <p:nvSpPr>
+          <p:cNvPr id="11" name="文字方塊 10">
+            <a:extLst>
+              <a:ext uri="{FF2B5EF4-FFF2-40B4-BE49-F238E27FC236}">
+                <a16:creationId xmlns:a16="http://schemas.microsoft.com/office/drawing/2014/main" id="{5BDEE535-E9A1-49AB-A60D-58E74616D7F1}"/>
+              </a:ext>
+            </a:extLst>
+          </p:cNvPr>
+          <p:cNvSpPr txBox="1"/>
+          <p:nvPr/>
+        </p:nvSpPr>
+        <p:spPr>
+          <a:xfrm>
+            <a:off x="4939982" y="2373687"/>
+            <a:ext cx="1524001" cy="923330"/>
+          </a:xfrm>
+          <a:prstGeom prst="rect">
+            <a:avLst/>
+          </a:prstGeom>
+          <a:noFill/>
+        </p:spPr>
+        <p:txBody>
+          <a:bodyPr wrap="square" rtlCol="0">
+            <a:spAutoFit/>
+          </a:bodyPr>
+          <a:lstStyle/>
+          <a:p>
+            <a:pPr algn="ctr"/>
+            <a:r>
+              <a:rPr lang="en-ID" dirty="0">
+                <a:solidFill>
+                  <a:srgbClr val="FF0000"/>
+                </a:solidFill>
+              </a:rPr>
+              <a:t>Convergence criteria</a:t>
+            </a:r>
+          </a:p>
+          <a:p>
+            <a:pPr algn="ctr"/>
+            <a:r>
+              <a:rPr lang="zh-TW" altLang="en-US" dirty="0">
+                <a:solidFill>
+                  <a:srgbClr val="FF0000"/>
+                </a:solidFill>
+              </a:rPr>
+              <a:t>自己設定</a:t>
+            </a:r>
+            <a:endParaRPr lang="en-ID" dirty="0">
+              <a:solidFill>
+                <a:srgbClr val="FF0000"/>
+              </a:solidFill>
+            </a:endParaRPr>
+          </a:p>
+        </p:txBody>
+      </p:sp>
+      <p:sp>
+        <p:nvSpPr>
+          <p:cNvPr id="12" name="橢圓 11">
+            <a:extLst>
+              <a:ext uri="{FF2B5EF4-FFF2-40B4-BE49-F238E27FC236}">
+                <a16:creationId xmlns:a16="http://schemas.microsoft.com/office/drawing/2014/main" id="{98A3F4AB-777E-48E1-8ECF-CC7BE828F1C3}"/>
+              </a:ext>
+            </a:extLst>
+          </p:cNvPr>
+          <p:cNvSpPr/>
+          <p:nvPr/>
+        </p:nvSpPr>
+        <p:spPr>
+          <a:xfrm>
+            <a:off x="1798320" y="2440872"/>
+            <a:ext cx="1402080" cy="288234"/>
+          </a:xfrm>
+          <a:prstGeom prst="ellipse">
+            <a:avLst/>
+          </a:prstGeom>
+          <a:noFill/>
+          <a:ln>
+            <a:solidFill>
+              <a:srgbClr val="FF0000"/>
+            </a:solidFill>
+          </a:ln>
+        </p:spPr>
+        <p:style>
+          <a:lnRef idx="2">
+            <a:schemeClr val="accent1">
+              <a:shade val="50000"/>
+            </a:schemeClr>
+          </a:lnRef>
+          <a:fillRef idx="1">
+            <a:schemeClr val="accent1"/>
+          </a:fillRef>
+          <a:effectRef idx="0">
+            <a:schemeClr val="accent1"/>
+          </a:effectRef>
+          <a:fontRef idx="minor">
+            <a:schemeClr val="lt1"/>
+          </a:fontRef>
+        </p:style>
+        <p:txBody>
+          <a:bodyPr rtlCol="0" anchor="ctr"/>
+          <a:lstStyle/>
+          <a:p>
+            <a:pPr algn="ctr"/>
+            <a:endParaRPr lang="en-ID"/>
+          </a:p>
+        </p:txBody>
+      </p:sp>
+      <p:sp>
+        <p:nvSpPr>
+          <p:cNvPr id="13" name="橢圓 12">
+            <a:extLst>
+              <a:ext uri="{FF2B5EF4-FFF2-40B4-BE49-F238E27FC236}">
+                <a16:creationId xmlns:a16="http://schemas.microsoft.com/office/drawing/2014/main" id="{48A10B8A-7B66-4E0A-B00A-80C79999101D}"/>
+              </a:ext>
+            </a:extLst>
+          </p:cNvPr>
+          <p:cNvSpPr/>
+          <p:nvPr/>
+        </p:nvSpPr>
+        <p:spPr>
+          <a:xfrm>
+            <a:off x="7012940" y="2743199"/>
+            <a:ext cx="1602740" cy="254001"/>
+          </a:xfrm>
+          <a:prstGeom prst="ellipse">
+            <a:avLst/>
+          </a:prstGeom>
+          <a:noFill/>
+          <a:ln>
+            <a:solidFill>
+              <a:srgbClr val="FF0000"/>
+            </a:solidFill>
+          </a:ln>
+        </p:spPr>
+        <p:style>
+          <a:lnRef idx="2">
+            <a:schemeClr val="accent1">
+              <a:shade val="50000"/>
+            </a:schemeClr>
+          </a:lnRef>
+          <a:fillRef idx="1">
+            <a:schemeClr val="accent1"/>
+          </a:fillRef>
+          <a:effectRef idx="0">
+            <a:schemeClr val="accent1"/>
+          </a:effectRef>
+          <a:fontRef idx="minor">
+            <a:schemeClr val="lt1"/>
+          </a:fontRef>
+        </p:style>
+        <p:txBody>
+          <a:bodyPr rtlCol="0" anchor="ctr"/>
+          <a:lstStyle/>
+          <a:p>
+            <a:pPr algn="ctr"/>
+            <a:endParaRPr lang="en-ID"/>
+          </a:p>
+        </p:txBody>
+      </p:sp>
+      <p:cxnSp>
+        <p:nvCxnSpPr>
+          <p:cNvPr id="15" name="直線單箭頭接點 14">
+            <a:extLst>
+              <a:ext uri="{FF2B5EF4-FFF2-40B4-BE49-F238E27FC236}">
+                <a16:creationId xmlns:a16="http://schemas.microsoft.com/office/drawing/2014/main" id="{01060691-A895-40CF-B2D7-107F330FDE05}"/>
+              </a:ext>
+            </a:extLst>
+          </p:cNvPr>
+          <p:cNvCxnSpPr>
+            <a:stCxn id="12" idx="5"/>
+          </p:cNvCxnSpPr>
+          <p:nvPr/>
+        </p:nvCxnSpPr>
+        <p:spPr>
+          <a:xfrm>
+            <a:off x="2995070" y="2686895"/>
+            <a:ext cx="2298290" cy="183304"/>
+          </a:xfrm>
+          <a:prstGeom prst="straightConnector1">
+            <a:avLst/>
+          </a:prstGeom>
+          <a:ln>
+            <a:solidFill>
+              <a:srgbClr val="FF0000"/>
+            </a:solidFill>
+            <a:tailEnd type="triangle"/>
+          </a:ln>
+        </p:spPr>
+        <p:style>
+          <a:lnRef idx="1">
+            <a:schemeClr val="accent1"/>
+          </a:lnRef>
+          <a:fillRef idx="0">
+            <a:schemeClr val="accent1"/>
+          </a:fillRef>
+          <a:effectRef idx="0">
+            <a:schemeClr val="accent1"/>
+          </a:effectRef>
+          <a:fontRef idx="minor">
+            <a:schemeClr val="tx1"/>
+          </a:fontRef>
+        </p:style>
+      </p:cxnSp>
+      <p:cxnSp>
+        <p:nvCxnSpPr>
+          <p:cNvPr id="16" name="直線單箭頭接點 15">
+            <a:extLst>
+              <a:ext uri="{FF2B5EF4-FFF2-40B4-BE49-F238E27FC236}">
+                <a16:creationId xmlns:a16="http://schemas.microsoft.com/office/drawing/2014/main" id="{F82C559A-B69D-4266-B1B4-17BC482B69FC}"/>
+              </a:ext>
+            </a:extLst>
+          </p:cNvPr>
+          <p:cNvCxnSpPr>
+            <a:cxnSpLocks/>
+            <a:stCxn id="13" idx="2"/>
+          </p:cNvCxnSpPr>
+          <p:nvPr/>
+        </p:nvCxnSpPr>
+        <p:spPr>
+          <a:xfrm flipH="1">
+            <a:off x="6317390" y="2870200"/>
+            <a:ext cx="695550" cy="127000"/>
+          </a:xfrm>
+          <a:prstGeom prst="straightConnector1">
+            <a:avLst/>
+          </a:prstGeom>
+          <a:ln>
+            <a:solidFill>
+              <a:srgbClr val="FF0000"/>
+            </a:solidFill>
+            <a:tailEnd type="triangle"/>
+          </a:ln>
+        </p:spPr>
+        <p:style>
+          <a:lnRef idx="1">
+            <a:schemeClr val="accent1"/>
+          </a:lnRef>
+          <a:fillRef idx="0">
+            <a:schemeClr val="accent1"/>
+          </a:fillRef>
+          <a:effectRef idx="0">
+            <a:schemeClr val="accent1"/>
+          </a:effectRef>
+          <a:fontRef idx="minor">
+            <a:schemeClr val="tx1"/>
+          </a:fontRef>
+        </p:style>
+      </p:cxnSp>
+      <p:sp>
+        <p:nvSpPr>
+          <p:cNvPr id="22" name="文字方塊 21">
+            <a:extLst>
+              <a:ext uri="{FF2B5EF4-FFF2-40B4-BE49-F238E27FC236}">
+                <a16:creationId xmlns:a16="http://schemas.microsoft.com/office/drawing/2014/main" id="{EFE3CFF5-8C8D-410C-9AE2-DE535FA02C2A}"/>
+              </a:ext>
+            </a:extLst>
+          </p:cNvPr>
+          <p:cNvSpPr txBox="1"/>
+          <p:nvPr/>
+        </p:nvSpPr>
+        <p:spPr>
+          <a:xfrm>
+            <a:off x="4462462" y="3806767"/>
+            <a:ext cx="1239520" cy="646331"/>
+          </a:xfrm>
+          <a:prstGeom prst="rect">
+            <a:avLst/>
+          </a:prstGeom>
+          <a:noFill/>
+        </p:spPr>
+        <p:txBody>
+          <a:bodyPr wrap="square" rtlCol="0">
+            <a:spAutoFit/>
+          </a:bodyPr>
+          <a:lstStyle/>
+          <a:p>
+            <a:pPr algn="ctr"/>
+            <a:r>
+              <a:rPr lang="zh-TW" altLang="en-US" dirty="0">
+                <a:solidFill>
+                  <a:srgbClr val="FF0000"/>
+                </a:solidFill>
+              </a:rPr>
+              <a:t>內部預設</a:t>
+            </a:r>
+            <a:r>
+              <a:rPr lang="en-ID" altLang="zh-TW" dirty="0">
+                <a:solidFill>
+                  <a:srgbClr val="FF0000"/>
+                </a:solidFill>
+              </a:rPr>
+              <a:t>0.01</a:t>
+            </a:r>
+            <a:endParaRPr lang="en-ID" dirty="0">
+              <a:solidFill>
+                <a:srgbClr val="FF0000"/>
+              </a:solidFill>
+            </a:endParaRPr>
+          </a:p>
+        </p:txBody>
+      </p:sp>
+      <p:sp>
+        <p:nvSpPr>
+          <p:cNvPr id="23" name="橢圓 22">
+            <a:extLst>
+              <a:ext uri="{FF2B5EF4-FFF2-40B4-BE49-F238E27FC236}">
+                <a16:creationId xmlns:a16="http://schemas.microsoft.com/office/drawing/2014/main" id="{BD80F49A-ABF9-45A2-B5CF-BEC8711504DE}"/>
+              </a:ext>
+            </a:extLst>
+          </p:cNvPr>
+          <p:cNvSpPr/>
+          <p:nvPr/>
+        </p:nvSpPr>
+        <p:spPr>
+          <a:xfrm>
+            <a:off x="3015436" y="3392998"/>
+            <a:ext cx="1597250" cy="272676"/>
+          </a:xfrm>
+          <a:prstGeom prst="ellipse">
+            <a:avLst/>
+          </a:prstGeom>
+          <a:noFill/>
+          <a:ln>
+            <a:solidFill>
+              <a:srgbClr val="FF0000"/>
+            </a:solidFill>
+          </a:ln>
+        </p:spPr>
+        <p:style>
+          <a:lnRef idx="2">
+            <a:schemeClr val="accent1">
+              <a:shade val="50000"/>
+            </a:schemeClr>
+          </a:lnRef>
+          <a:fillRef idx="1">
+            <a:schemeClr val="accent1"/>
+          </a:fillRef>
+          <a:effectRef idx="0">
+            <a:schemeClr val="accent1"/>
+          </a:effectRef>
+          <a:fontRef idx="minor">
+            <a:schemeClr val="lt1"/>
+          </a:fontRef>
+        </p:style>
+        <p:txBody>
+          <a:bodyPr rtlCol="0" anchor="ctr"/>
+          <a:lstStyle/>
+          <a:p>
+            <a:pPr algn="ctr"/>
+            <a:endParaRPr lang="en-ID"/>
+          </a:p>
+        </p:txBody>
+      </p:sp>
+      <p:cxnSp>
+        <p:nvCxnSpPr>
+          <p:cNvPr id="25" name="直線單箭頭接點 24">
+            <a:extLst>
+              <a:ext uri="{FF2B5EF4-FFF2-40B4-BE49-F238E27FC236}">
+                <a16:creationId xmlns:a16="http://schemas.microsoft.com/office/drawing/2014/main" id="{B535FB9C-AF61-426E-A120-2F4ECD76B2BA}"/>
+              </a:ext>
+            </a:extLst>
+          </p:cNvPr>
+          <p:cNvCxnSpPr/>
+          <p:nvPr/>
+        </p:nvCxnSpPr>
+        <p:spPr>
+          <a:xfrm>
+            <a:off x="4043680" y="3645125"/>
+            <a:ext cx="543560" cy="269762"/>
+          </a:xfrm>
+          <a:prstGeom prst="straightConnector1">
+            <a:avLst/>
+          </a:prstGeom>
+          <a:ln>
+            <a:solidFill>
+              <a:srgbClr val="FF0000"/>
+            </a:solidFill>
+            <a:tailEnd type="triangle"/>
+          </a:ln>
+        </p:spPr>
+        <p:style>
+          <a:lnRef idx="1">
+            <a:schemeClr val="accent1"/>
+          </a:lnRef>
+          <a:fillRef idx="0">
+            <a:schemeClr val="accent1"/>
+          </a:fillRef>
+          <a:effectRef idx="0">
+            <a:schemeClr val="accent1"/>
+          </a:effectRef>
+          <a:fontRef idx="minor">
+            <a:schemeClr val="tx1"/>
+          </a:fontRef>
+        </p:style>
+      </p:cxnSp>
+      <p:sp>
+        <p:nvSpPr>
+          <p:cNvPr id="26" name="文字方塊 25">
+            <a:extLst>
+              <a:ext uri="{FF2B5EF4-FFF2-40B4-BE49-F238E27FC236}">
+                <a16:creationId xmlns:a16="http://schemas.microsoft.com/office/drawing/2014/main" id="{91AD0A1C-2C22-4E5B-B452-558691B507FB}"/>
+              </a:ext>
+            </a:extLst>
+          </p:cNvPr>
+          <p:cNvSpPr txBox="1"/>
+          <p:nvPr/>
+        </p:nvSpPr>
+        <p:spPr>
+          <a:xfrm>
+            <a:off x="9796642" y="4003040"/>
+            <a:ext cx="1190445" cy="646331"/>
+          </a:xfrm>
+          <a:prstGeom prst="rect">
+            <a:avLst/>
+          </a:prstGeom>
+          <a:noFill/>
+        </p:spPr>
+        <p:txBody>
+          <a:bodyPr wrap="square" rtlCol="0">
+            <a:spAutoFit/>
+          </a:bodyPr>
+          <a:lstStyle/>
+          <a:p>
+            <a:r>
+              <a:rPr lang="en-ID" dirty="0">
+                <a:solidFill>
+                  <a:srgbClr val="0070C0"/>
+                </a:solidFill>
+              </a:rPr>
+              <a:t>Gradient Descent</a:t>
+            </a:r>
+          </a:p>
+        </p:txBody>
+      </p:sp>
+      <p:sp>
+        <p:nvSpPr>
+          <p:cNvPr id="27" name="文字方塊 26">
+            <a:extLst>
+              <a:ext uri="{FF2B5EF4-FFF2-40B4-BE49-F238E27FC236}">
+                <a16:creationId xmlns:a16="http://schemas.microsoft.com/office/drawing/2014/main" id="{03F9AF4A-F647-4077-B952-F349A31C491A}"/>
+              </a:ext>
+            </a:extLst>
+          </p:cNvPr>
+          <p:cNvSpPr txBox="1"/>
+          <p:nvPr/>
+        </p:nvSpPr>
+        <p:spPr>
+          <a:xfrm>
+            <a:off x="6460490" y="5328891"/>
+            <a:ext cx="4721861" cy="1477328"/>
+          </a:xfrm>
+          <a:prstGeom prst="rect">
+            <a:avLst/>
+          </a:prstGeom>
+          <a:noFill/>
+        </p:spPr>
+        <p:txBody>
+          <a:bodyPr wrap="square" rtlCol="0">
+            <a:spAutoFit/>
+          </a:bodyPr>
+          <a:lstStyle/>
+          <a:p>
+            <a:r>
+              <a:rPr lang="zh-TW" altLang="en-US" dirty="0"/>
+              <a:t>不重新</a:t>
+            </a:r>
+            <a:r>
+              <a:rPr lang="en-ID" altLang="zh-TW" dirty="0"/>
+              <a:t>train model</a:t>
+            </a:r>
+          </a:p>
+          <a:p>
+            <a:r>
+              <a:rPr lang="zh-TW" altLang="en-US" dirty="0"/>
+              <a:t>只</a:t>
+            </a:r>
+            <a:r>
+              <a:rPr lang="en-ID" altLang="zh-TW" dirty="0"/>
+              <a:t>train model for </a:t>
+            </a:r>
+            <a:r>
+              <a:rPr lang="en-ID" altLang="zh-TW" dirty="0">
+                <a:solidFill>
+                  <a:srgbClr val="FF0000"/>
+                </a:solidFill>
+              </a:rPr>
+              <a:t>1 epoch</a:t>
+            </a:r>
+          </a:p>
+          <a:p>
+            <a:r>
+              <a:rPr lang="zh-TW" altLang="en-US" dirty="0"/>
+              <a:t>使用</a:t>
+            </a:r>
+            <a:r>
+              <a:rPr lang="en-ID" altLang="zh-TW" dirty="0"/>
+              <a:t>gradient descent</a:t>
+            </a:r>
+            <a:r>
+              <a:rPr lang="zh-TW" altLang="en-US" dirty="0"/>
+              <a:t>找出該</a:t>
+            </a:r>
+            <a:r>
+              <a:rPr lang="en-ID" altLang="zh-TW" dirty="0"/>
+              <a:t>Algorithm</a:t>
+            </a:r>
+            <a:r>
+              <a:rPr lang="zh-TW" altLang="en-US" dirty="0"/>
+              <a:t>之最佳</a:t>
+            </a:r>
+            <a:r>
+              <a:rPr lang="en-ID" altLang="zh-TW" dirty="0"/>
+              <a:t>hyper-parameter set</a:t>
+            </a:r>
+          </a:p>
+          <a:p>
+            <a:r>
+              <a:rPr lang="en-ID" dirty="0"/>
+              <a:t>Update model on one data point at a time</a:t>
+            </a:r>
           </a:p>
         </p:txBody>
       </p:sp>
@@ -27176,7 +28644,7 @@
 </p:sld>
 </file>
 
-<file path=ppt/slides/slide36.xml><?xml version="1.0" encoding="utf-8"?>
+<file path=ppt/slides/slide38.xml><?xml version="1.0" encoding="utf-8"?>
 <p:sld xmlns:a="http://schemas.openxmlformats.org/drawingml/2006/main" xmlns:r="http://schemas.openxmlformats.org/officeDocument/2006/relationships" xmlns:p="http://schemas.openxmlformats.org/presentationml/2006/main">
   <p:cSld>
     <p:spTree>
@@ -27193,6 +28661,299 @@
           <a:chExt cx="0" cy="0"/>
         </a:xfrm>
       </p:grpSpPr>
+      <p:pic>
+        <p:nvPicPr>
+          <p:cNvPr id="3" name="圖片 2">
+            <a:extLst>
+              <a:ext uri="{FF2B5EF4-FFF2-40B4-BE49-F238E27FC236}">
+                <a16:creationId xmlns:a16="http://schemas.microsoft.com/office/drawing/2014/main" id="{E57DB344-1BED-4128-B360-467ABAD095AF}"/>
+              </a:ext>
+            </a:extLst>
+          </p:cNvPr>
+          <p:cNvPicPr>
+            <a:picLocks noChangeAspect="1"/>
+          </p:cNvPicPr>
+          <p:nvPr/>
+        </p:nvPicPr>
+        <p:blipFill>
+          <a:blip r:embed="rId2"/>
+          <a:stretch>
+            <a:fillRect/>
+          </a:stretch>
+        </p:blipFill>
+        <p:spPr>
+          <a:xfrm>
+            <a:off x="3833879" y="357646"/>
+            <a:ext cx="4788402" cy="1067294"/>
+          </a:xfrm>
+          <a:prstGeom prst="rect">
+            <a:avLst/>
+          </a:prstGeom>
+        </p:spPr>
+      </p:pic>
+      <p:sp>
+        <p:nvSpPr>
+          <p:cNvPr id="5" name="文字方塊 4">
+            <a:extLst>
+              <a:ext uri="{FF2B5EF4-FFF2-40B4-BE49-F238E27FC236}">
+                <a16:creationId xmlns:a16="http://schemas.microsoft.com/office/drawing/2014/main" id="{EC7F6EEF-BCA7-4B81-BCF4-3848303FD1A5}"/>
+              </a:ext>
+            </a:extLst>
+          </p:cNvPr>
+          <p:cNvSpPr txBox="1"/>
+          <p:nvPr/>
+        </p:nvSpPr>
+        <p:spPr>
+          <a:xfrm>
+            <a:off x="3645535" y="1892945"/>
+            <a:ext cx="4003040" cy="923330"/>
+          </a:xfrm>
+          <a:prstGeom prst="rect">
+            <a:avLst/>
+          </a:prstGeom>
+          <a:noFill/>
+        </p:spPr>
+        <p:txBody>
+          <a:bodyPr wrap="square" rtlCol="0">
+            <a:spAutoFit/>
+          </a:bodyPr>
+          <a:lstStyle/>
+          <a:p>
+            <a:pPr algn="ctr"/>
+            <a:r>
+              <a:rPr lang="zh-TW" altLang="en-US" dirty="0"/>
+              <a:t>接下來用</a:t>
+            </a:r>
+            <a:r>
+              <a:rPr lang="en-ID" altLang="zh-TW" dirty="0"/>
+              <a:t>neural network</a:t>
+            </a:r>
+            <a:r>
+              <a:rPr lang="zh-TW" altLang="en-US" dirty="0"/>
+              <a:t>來</a:t>
+            </a:r>
+            <a:r>
+              <a:rPr lang="en-ID" altLang="zh-TW" dirty="0"/>
+              <a:t>train</a:t>
+            </a:r>
+            <a:r>
+              <a:rPr lang="zh-TW" altLang="en-US" dirty="0"/>
+              <a:t>一個分辯貓與狗的模型，並用</a:t>
+            </a:r>
+            <a:r>
+              <a:rPr lang="en-ID" altLang="zh-TW" dirty="0" err="1"/>
+              <a:t>ShapNN</a:t>
+            </a:r>
+            <a:r>
+              <a:rPr lang="zh-TW" altLang="en-US" dirty="0"/>
+              <a:t>算出</a:t>
+            </a:r>
+            <a:r>
+              <a:rPr lang="en-ID" altLang="zh-TW" dirty="0"/>
+              <a:t>data </a:t>
+            </a:r>
+            <a:r>
+              <a:rPr lang="en-ID" altLang="zh-TW" dirty="0" err="1"/>
+              <a:t>shapley</a:t>
+            </a:r>
+            <a:r>
+              <a:rPr lang="en-ID" altLang="zh-TW" dirty="0"/>
+              <a:t> value</a:t>
+            </a:r>
+            <a:endParaRPr lang="en-ID" dirty="0"/>
+          </a:p>
+        </p:txBody>
+      </p:sp>
+      <p:pic>
+        <p:nvPicPr>
+          <p:cNvPr id="6" name="圖片 5">
+            <a:extLst>
+              <a:ext uri="{FF2B5EF4-FFF2-40B4-BE49-F238E27FC236}">
+                <a16:creationId xmlns:a16="http://schemas.microsoft.com/office/drawing/2014/main" id="{35856D2F-15F8-45C5-9C37-7A6603CD72EA}"/>
+              </a:ext>
+            </a:extLst>
+          </p:cNvPr>
+          <p:cNvPicPr>
+            <a:picLocks noChangeAspect="1"/>
+          </p:cNvPicPr>
+          <p:nvPr/>
+        </p:nvPicPr>
+        <p:blipFill>
+          <a:blip r:embed="rId3"/>
+          <a:stretch>
+            <a:fillRect/>
+          </a:stretch>
+        </p:blipFill>
+        <p:spPr>
+          <a:xfrm>
+            <a:off x="1960880" y="3785771"/>
+            <a:ext cx="7372350" cy="1714500"/>
+          </a:xfrm>
+          <a:prstGeom prst="rect">
+            <a:avLst/>
+          </a:prstGeom>
+        </p:spPr>
+      </p:pic>
+      <p:sp>
+        <p:nvSpPr>
+          <p:cNvPr id="7" name="文字方塊 6">
+            <a:extLst>
+              <a:ext uri="{FF2B5EF4-FFF2-40B4-BE49-F238E27FC236}">
+                <a16:creationId xmlns:a16="http://schemas.microsoft.com/office/drawing/2014/main" id="{EC060D0A-FE5D-4D1C-A65D-C4E64432026C}"/>
+              </a:ext>
+            </a:extLst>
+          </p:cNvPr>
+          <p:cNvSpPr txBox="1"/>
+          <p:nvPr/>
+        </p:nvSpPr>
+        <p:spPr>
+          <a:xfrm>
+            <a:off x="3252854" y="3139440"/>
+            <a:ext cx="4788402" cy="646331"/>
+          </a:xfrm>
+          <a:prstGeom prst="rect">
+            <a:avLst/>
+          </a:prstGeom>
+          <a:noFill/>
+        </p:spPr>
+        <p:txBody>
+          <a:bodyPr wrap="square" rtlCol="0">
+            <a:spAutoFit/>
+          </a:bodyPr>
+          <a:lstStyle/>
+          <a:p>
+            <a:pPr algn="ctr"/>
+            <a:r>
+              <a:rPr lang="zh-TW" altLang="en-US" dirty="0"/>
+              <a:t>一些</a:t>
+            </a:r>
+            <a:r>
+              <a:rPr lang="en-ID" altLang="zh-TW" dirty="0"/>
+              <a:t>Neural Network</a:t>
+            </a:r>
+            <a:r>
+              <a:rPr lang="zh-TW" altLang="en-US" dirty="0"/>
+              <a:t>該有的參數，與</a:t>
+            </a:r>
+            <a:r>
+              <a:rPr lang="en-ID" altLang="zh-TW" dirty="0" err="1"/>
+              <a:t>ShapNN</a:t>
+            </a:r>
+            <a:r>
+              <a:rPr lang="zh-TW" altLang="en-US" dirty="0"/>
+              <a:t>內部預設值</a:t>
+            </a:r>
+            <a:endParaRPr lang="en-ID" dirty="0"/>
+          </a:p>
+        </p:txBody>
+      </p:sp>
+      <p:sp>
+        <p:nvSpPr>
+          <p:cNvPr id="8" name="文字方塊 7">
+            <a:extLst>
+              <a:ext uri="{FF2B5EF4-FFF2-40B4-BE49-F238E27FC236}">
+                <a16:creationId xmlns:a16="http://schemas.microsoft.com/office/drawing/2014/main" id="{B7733489-8D21-4486-BE10-3AF9657F765B}"/>
+              </a:ext>
+            </a:extLst>
+          </p:cNvPr>
+          <p:cNvSpPr txBox="1"/>
+          <p:nvPr/>
+        </p:nvSpPr>
+        <p:spPr>
+          <a:xfrm>
+            <a:off x="2797558" y="5730241"/>
+            <a:ext cx="6021322" cy="646331"/>
+          </a:xfrm>
+          <a:prstGeom prst="rect">
+            <a:avLst/>
+          </a:prstGeom>
+          <a:noFill/>
+        </p:spPr>
+        <p:txBody>
+          <a:bodyPr wrap="square" rtlCol="0">
+            <a:spAutoFit/>
+          </a:bodyPr>
+          <a:lstStyle/>
+          <a:p>
+            <a:pPr algn="ctr"/>
+            <a:r>
+              <a:rPr lang="zh-TW" altLang="en-US" dirty="0"/>
+              <a:t>可以看的出來這只是一個簡單的</a:t>
+            </a:r>
+            <a:r>
+              <a:rPr lang="en-ID" altLang="zh-TW" dirty="0"/>
+              <a:t>two-layer neural network </a:t>
+            </a:r>
+            <a:r>
+              <a:rPr lang="zh-TW" altLang="en-US" dirty="0"/>
+              <a:t>只有一層</a:t>
+            </a:r>
+            <a:r>
+              <a:rPr lang="en-ID" altLang="zh-TW" dirty="0"/>
+              <a:t>100</a:t>
+            </a:r>
+            <a:r>
+              <a:rPr lang="zh-TW" altLang="en-US" dirty="0"/>
+              <a:t>個</a:t>
+            </a:r>
+            <a:r>
+              <a:rPr lang="en-ID" altLang="zh-TW" dirty="0"/>
+              <a:t>hidden unit</a:t>
+            </a:r>
+            <a:r>
+              <a:rPr lang="zh-TW" altLang="en-US" dirty="0"/>
+              <a:t>的</a:t>
+            </a:r>
+            <a:r>
+              <a:rPr lang="en-ID" altLang="zh-TW" dirty="0"/>
+              <a:t>hidden layer</a:t>
+            </a:r>
+            <a:endParaRPr lang="en-ID" dirty="0"/>
+          </a:p>
+        </p:txBody>
+      </p:sp>
+    </p:spTree>
+    <p:extLst>
+      <p:ext uri="{BB962C8B-B14F-4D97-AF65-F5344CB8AC3E}">
+        <p14:creationId xmlns:p14="http://schemas.microsoft.com/office/powerpoint/2010/main" val="1196074519"/>
+      </p:ext>
+    </p:extLst>
+  </p:cSld>
+  <p:clrMapOvr>
+    <a:masterClrMapping/>
+  </p:clrMapOvr>
+  <mc:AlternateContent xmlns:mc="http://schemas.openxmlformats.org/markup-compatibility/2006" xmlns:p14="http://schemas.microsoft.com/office/powerpoint/2010/main">
+    <mc:Choice Requires="p14">
+      <p:transition spd="slow" p14:dur="1500" advClick="0" advTm="0">
+        <p:random/>
+      </p:transition>
+    </mc:Choice>
+    <mc:Fallback xmlns="">
+      <p:transition spd="slow" advClick="0" advTm="0">
+        <p:random/>
+      </p:transition>
+    </mc:Fallback>
+  </mc:AlternateContent>
+</p:sld>
+</file>
+
+<file path=ppt/slides/slide39.xml><?xml version="1.0" encoding="utf-8"?>
+<p:sld xmlns:a="http://schemas.openxmlformats.org/drawingml/2006/main" xmlns:r="http://schemas.openxmlformats.org/officeDocument/2006/relationships" xmlns:p="http://schemas.openxmlformats.org/presentationml/2006/main">
+  <p:cSld>
+    <p:spTree>
+      <p:nvGrpSpPr>
+        <p:cNvPr id="1" name=""/>
+        <p:cNvGrpSpPr/>
+        <p:nvPr/>
+      </p:nvGrpSpPr>
+      <p:grpSpPr>
+        <a:xfrm>
+          <a:off x="0" y="0"/>
+          <a:ext cx="0" cy="0"/>
+          <a:chOff x="0" y="0"/>
+          <a:chExt cx="0" cy="0"/>
+        </a:xfrm>
+      </p:grpSpPr>
       <p:sp>
         <p:nvSpPr>
           <p:cNvPr id="2" name="文字方塊 1">
@@ -27407,6 +29168,7 @@
           </a:bodyPr>
           <a:lstStyle/>
           <a:p>
+            <a:pPr algn="ctr"/>
             <a:r>
               <a:rPr lang="zh-TW" altLang="en-US" dirty="0"/>
               <a:t>整個把</a:t>
@@ -27429,7 +29191,7 @@
             </a:r>
             <a:r>
               <a:rPr lang="zh-TW" altLang="en-US" dirty="0"/>
-              <a:t>的想法很好，我估計之後也許有人有更好的演算法來加強時間效率，以及程式上的開發能更簡單方便使用</a:t>
+              <a:t>的想法很好，之後也許有人有更好的演算法來加強時間效率，以及程式上的開發能更簡單方便使用</a:t>
             </a:r>
             <a:endParaRPr lang="en-ID" dirty="0"/>
           </a:p>
@@ -27583,7 +29345,125 @@
 </p:sld>
 </file>
 
-<file path=ppt/slides/slide37.xml><?xml version="1.0" encoding="utf-8"?>
+<file path=ppt/slides/slide4.xml><?xml version="1.0" encoding="utf-8"?>
+<p:sld xmlns:a="http://schemas.openxmlformats.org/drawingml/2006/main" xmlns:r="http://schemas.openxmlformats.org/officeDocument/2006/relationships" xmlns:p="http://schemas.openxmlformats.org/presentationml/2006/main">
+  <p:cSld>
+    <p:spTree>
+      <p:nvGrpSpPr>
+        <p:cNvPr id="1" name=""/>
+        <p:cNvGrpSpPr/>
+        <p:nvPr/>
+      </p:nvGrpSpPr>
+      <p:grpSpPr>
+        <a:xfrm>
+          <a:off x="0" y="0"/>
+          <a:ext cx="0" cy="0"/>
+          <a:chOff x="0" y="0"/>
+          <a:chExt cx="0" cy="0"/>
+        </a:xfrm>
+      </p:grpSpPr>
+      <p:sp>
+        <p:nvSpPr>
+          <p:cNvPr id="2" name="文字方塊 1">
+            <a:extLst>
+              <a:ext uri="{FF2B5EF4-FFF2-40B4-BE49-F238E27FC236}">
+                <a16:creationId xmlns:a16="http://schemas.microsoft.com/office/drawing/2014/main" id="{FD8EFD80-0723-4EB4-ADEF-0E5FA629ADDE}"/>
+              </a:ext>
+            </a:extLst>
+          </p:cNvPr>
+          <p:cNvSpPr txBox="1"/>
+          <p:nvPr/>
+        </p:nvSpPr>
+        <p:spPr>
+          <a:xfrm>
+            <a:off x="3667125" y="3352800"/>
+            <a:ext cx="4200525" cy="646331"/>
+          </a:xfrm>
+          <a:prstGeom prst="rect">
+            <a:avLst/>
+          </a:prstGeom>
+          <a:noFill/>
+        </p:spPr>
+        <p:txBody>
+          <a:bodyPr wrap="square" rtlCol="0">
+            <a:spAutoFit/>
+          </a:bodyPr>
+          <a:lstStyle/>
+          <a:p>
+            <a:r>
+              <a:rPr lang="en-ID" dirty="0"/>
+              <a:t>Psychology </a:t>
+            </a:r>
+            <a:r>
+              <a:rPr lang="zh-TW" altLang="en-US" dirty="0"/>
+              <a:t>一些心理學 探討為什麼人們需要解釋</a:t>
+            </a:r>
+            <a:endParaRPr lang="en-ID" dirty="0"/>
+          </a:p>
+        </p:txBody>
+      </p:sp>
+      <p:sp>
+        <p:nvSpPr>
+          <p:cNvPr id="3" name="文字方塊 2">
+            <a:extLst>
+              <a:ext uri="{FF2B5EF4-FFF2-40B4-BE49-F238E27FC236}">
+                <a16:creationId xmlns:a16="http://schemas.microsoft.com/office/drawing/2014/main" id="{77F26A53-60A1-4B70-B169-B3550C6CDD0E}"/>
+              </a:ext>
+            </a:extLst>
+          </p:cNvPr>
+          <p:cNvSpPr txBox="1"/>
+          <p:nvPr/>
+        </p:nvSpPr>
+        <p:spPr>
+          <a:xfrm>
+            <a:off x="4362450" y="1990725"/>
+            <a:ext cx="2952750" cy="369332"/>
+          </a:xfrm>
+          <a:prstGeom prst="rect">
+            <a:avLst/>
+          </a:prstGeom>
+          <a:noFill/>
+        </p:spPr>
+        <p:txBody>
+          <a:bodyPr wrap="square" rtlCol="0">
+            <a:spAutoFit/>
+          </a:bodyPr>
+          <a:lstStyle/>
+          <a:p>
+            <a:r>
+              <a:rPr lang="zh-TW" altLang="en-US" dirty="0"/>
+              <a:t>為什麼人們需要解釋？</a:t>
+            </a:r>
+            <a:endParaRPr lang="en-ID" dirty="0"/>
+          </a:p>
+        </p:txBody>
+      </p:sp>
+    </p:spTree>
+    <p:extLst>
+      <p:ext uri="{BB962C8B-B14F-4D97-AF65-F5344CB8AC3E}">
+        <p14:creationId xmlns:p14="http://schemas.microsoft.com/office/powerpoint/2010/main" val="4192316622"/>
+      </p:ext>
+    </p:extLst>
+  </p:cSld>
+  <p:clrMapOvr>
+    <a:masterClrMapping/>
+  </p:clrMapOvr>
+  <mc:AlternateContent xmlns:mc="http://schemas.openxmlformats.org/markup-compatibility/2006" xmlns:p14="http://schemas.microsoft.com/office/powerpoint/2010/main">
+    <mc:Choice Requires="p14">
+      <p:transition spd="slow" p14:dur="1500" advClick="0" advTm="0">
+        <p:random/>
+      </p:transition>
+    </mc:Choice>
+    <mc:Fallback xmlns="">
+      <p:transition spd="slow" advClick="0" advTm="0">
+        <p:random/>
+      </p:transition>
+    </mc:Fallback>
+  </mc:AlternateContent>
+</p:sld>
+</file>
+
+<file path=ppt/slides/slide40.xml><?xml version="1.0" encoding="utf-8"?>
 <p:sld xmlns:a="http://schemas.openxmlformats.org/drawingml/2006/main" xmlns:r="http://schemas.openxmlformats.org/officeDocument/2006/relationships" xmlns:p="http://schemas.openxmlformats.org/presentationml/2006/main">
   <p:cSld>
     <p:spTree>
@@ -28361,7 +30241,7 @@
 </p:sld>
 </file>
 
-<file path=ppt/slides/slide38.xml><?xml version="1.0" encoding="utf-8"?>
+<file path=ppt/slides/slide41.xml><?xml version="1.0" encoding="utf-8"?>
 <p:sld xmlns:a="http://schemas.openxmlformats.org/drawingml/2006/main" xmlns:r="http://schemas.openxmlformats.org/officeDocument/2006/relationships" xmlns:p="http://schemas.openxmlformats.org/presentationml/2006/main">
   <p:cSld>
     <p:spTree>
@@ -28378,6 +30258,119 @@
           <a:chExt cx="0" cy="0"/>
         </a:xfrm>
       </p:grpSpPr>
+      <p:sp>
+        <p:nvSpPr>
+          <p:cNvPr id="2" name="文字方塊 1">
+            <a:extLst>
+              <a:ext uri="{FF2B5EF4-FFF2-40B4-BE49-F238E27FC236}">
+                <a16:creationId xmlns:a16="http://schemas.microsoft.com/office/drawing/2014/main" id="{F6B1545D-ACA8-4E33-BEA3-B422CEECD943}"/>
+              </a:ext>
+            </a:extLst>
+          </p:cNvPr>
+          <p:cNvSpPr txBox="1"/>
+          <p:nvPr/>
+        </p:nvSpPr>
+        <p:spPr>
+          <a:xfrm>
+            <a:off x="4277360" y="1513840"/>
+            <a:ext cx="3637280" cy="646331"/>
+          </a:xfrm>
+          <a:prstGeom prst="rect">
+            <a:avLst/>
+          </a:prstGeom>
+          <a:noFill/>
+        </p:spPr>
+        <p:txBody>
+          <a:bodyPr wrap="square" rtlCol="0">
+            <a:spAutoFit/>
+          </a:bodyPr>
+          <a:lstStyle/>
+          <a:p>
+            <a:pPr algn="ctr"/>
+            <a:r>
+              <a:rPr lang="en-ID" dirty="0"/>
+              <a:t>LIME</a:t>
+            </a:r>
+            <a:r>
+              <a:rPr lang="zh-TW" altLang="en-US" dirty="0"/>
+              <a:t>算是開啟</a:t>
+            </a:r>
+            <a:r>
+              <a:rPr lang="en-ID" altLang="zh-TW" dirty="0"/>
+              <a:t>Interpretable ML</a:t>
+            </a:r>
+            <a:r>
+              <a:rPr lang="zh-TW" altLang="en-US" dirty="0"/>
+              <a:t>被重視的先河</a:t>
+            </a:r>
+            <a:endParaRPr lang="en-ID" dirty="0"/>
+          </a:p>
+        </p:txBody>
+      </p:sp>
+      <p:sp>
+        <p:nvSpPr>
+          <p:cNvPr id="3" name="文字方塊 2">
+            <a:extLst>
+              <a:ext uri="{FF2B5EF4-FFF2-40B4-BE49-F238E27FC236}">
+                <a16:creationId xmlns:a16="http://schemas.microsoft.com/office/drawing/2014/main" id="{BA909906-356F-4CBC-910C-D23417DBBE7D}"/>
+              </a:ext>
+            </a:extLst>
+          </p:cNvPr>
+          <p:cNvSpPr txBox="1"/>
+          <p:nvPr/>
+        </p:nvSpPr>
+        <p:spPr>
+          <a:xfrm>
+            <a:off x="3830320" y="2505670"/>
+            <a:ext cx="4531360" cy="923330"/>
+          </a:xfrm>
+          <a:prstGeom prst="rect">
+            <a:avLst/>
+          </a:prstGeom>
+          <a:noFill/>
+        </p:spPr>
+        <p:txBody>
+          <a:bodyPr wrap="square" rtlCol="0">
+            <a:spAutoFit/>
+          </a:bodyPr>
+          <a:lstStyle/>
+          <a:p>
+            <a:pPr algn="ctr"/>
+            <a:r>
+              <a:rPr lang="en-ID" dirty="0"/>
+              <a:t>SHAP</a:t>
+            </a:r>
+            <a:r>
+              <a:rPr lang="zh-TW" altLang="en-US" dirty="0"/>
+              <a:t>則是以數學理論的角度改善了</a:t>
+            </a:r>
+            <a:r>
+              <a:rPr lang="en-ID" altLang="zh-TW" dirty="0"/>
+              <a:t>LIME</a:t>
+            </a:r>
+          </a:p>
+          <a:p>
+            <a:pPr algn="ctr"/>
+            <a:r>
+              <a:rPr lang="zh-TW" altLang="en-US" dirty="0"/>
+              <a:t>以及創造了</a:t>
+            </a:r>
+            <a:r>
+              <a:rPr lang="en-ID" altLang="zh-TW" dirty="0"/>
+              <a:t>Interpretable ML</a:t>
+            </a:r>
+            <a:r>
+              <a:rPr lang="zh-TW" altLang="en-US" dirty="0"/>
+              <a:t>的架構</a:t>
+            </a:r>
+            <a:r>
+              <a:rPr lang="en-ID" altLang="zh-TW" dirty="0"/>
+              <a:t>(Shapley Value)</a:t>
+            </a:r>
+            <a:endParaRPr lang="en-ID" dirty="0"/>
+          </a:p>
+        </p:txBody>
+      </p:sp>
     </p:spTree>
     <p:extLst>
       <p:ext uri="{BB962C8B-B14F-4D97-AF65-F5344CB8AC3E}">
@@ -28403,7 +30396,7 @@
 </p:sld>
 </file>
 
-<file path=ppt/slides/slide39.xml><?xml version="1.0" encoding="utf-8"?>
+<file path=ppt/slides/slide42.xml><?xml version="1.0" encoding="utf-8"?>
 <p:sld xmlns:a="http://schemas.openxmlformats.org/drawingml/2006/main" xmlns:r="http://schemas.openxmlformats.org/officeDocument/2006/relationships" xmlns:p="http://schemas.openxmlformats.org/presentationml/2006/main">
   <p:cSld>
     <p:spTree>
@@ -28420,54 +30413,12 @@
           <a:chExt cx="0" cy="0"/>
         </a:xfrm>
       </p:grpSpPr>
-    </p:spTree>
-    <p:extLst>
-      <p:ext uri="{BB962C8B-B14F-4D97-AF65-F5344CB8AC3E}">
-        <p14:creationId xmlns:p14="http://schemas.microsoft.com/office/powerpoint/2010/main" val="1885467773"/>
-      </p:ext>
-    </p:extLst>
-  </p:cSld>
-  <p:clrMapOvr>
-    <a:masterClrMapping/>
-  </p:clrMapOvr>
-  <mc:AlternateContent xmlns:mc="http://schemas.openxmlformats.org/markup-compatibility/2006" xmlns:p14="http://schemas.microsoft.com/office/powerpoint/2010/main">
-    <mc:Choice Requires="p14">
-      <p:transition spd="slow" p14:dur="1500" advClick="0" advTm="0">
-        <p:random/>
-      </p:transition>
-    </mc:Choice>
-    <mc:Fallback xmlns="">
-      <p:transition spd="slow" advClick="0" advTm="0">
-        <p:random/>
-      </p:transition>
-    </mc:Fallback>
-  </mc:AlternateContent>
-</p:sld>
-</file>
-
-<file path=ppt/slides/slide4.xml><?xml version="1.0" encoding="utf-8"?>
-<p:sld xmlns:a="http://schemas.openxmlformats.org/drawingml/2006/main" xmlns:r="http://schemas.openxmlformats.org/officeDocument/2006/relationships" xmlns:p="http://schemas.openxmlformats.org/presentationml/2006/main">
-  <p:cSld>
-    <p:spTree>
-      <p:nvGrpSpPr>
-        <p:cNvPr id="1" name=""/>
-        <p:cNvGrpSpPr/>
-        <p:nvPr/>
-      </p:nvGrpSpPr>
-      <p:grpSpPr>
-        <a:xfrm>
-          <a:off x="0" y="0"/>
-          <a:ext cx="0" cy="0"/>
-          <a:chOff x="0" y="0"/>
-          <a:chExt cx="0" cy="0"/>
-        </a:xfrm>
-      </p:grpSpPr>
       <p:sp>
         <p:nvSpPr>
           <p:cNvPr id="2" name="文字方塊 1">
             <a:extLst>
               <a:ext uri="{FF2B5EF4-FFF2-40B4-BE49-F238E27FC236}">
-                <a16:creationId xmlns:a16="http://schemas.microsoft.com/office/drawing/2014/main" id="{FD8EFD80-0723-4EB4-ADEF-0E5FA629ADDE}"/>
+                <a16:creationId xmlns:a16="http://schemas.microsoft.com/office/drawing/2014/main" id="{D81516DF-9949-49E7-85D4-74B4C1D685E4}"/>
               </a:ext>
             </a:extLst>
           </p:cNvPr>
@@ -28476,8 +30427,8 @@
         </p:nvSpPr>
         <p:spPr>
           <a:xfrm>
-            <a:off x="3667125" y="3352800"/>
-            <a:ext cx="4200525" cy="646331"/>
+            <a:off x="3362960" y="1584961"/>
+            <a:ext cx="5466080" cy="369332"/>
           </a:xfrm>
           <a:prstGeom prst="rect">
             <a:avLst/>
@@ -28492,94 +30443,16 @@
           <a:p>
             <a:r>
               <a:rPr lang="en-ID" dirty="0"/>
-              <a:t>Psychology </a:t>
+              <a:t>Microsoft Interpret</a:t>
             </a:r>
             <a:r>
               <a:rPr lang="zh-TW" altLang="en-US" dirty="0"/>
-              <a:t>一些心理學 探討為什麼人們需要解釋</a:t>
+              <a:t>可望成為解釋模型的主流應用套件</a:t>
             </a:r>
             <a:endParaRPr lang="en-ID" dirty="0"/>
           </a:p>
         </p:txBody>
       </p:sp>
-      <p:sp>
-        <p:nvSpPr>
-          <p:cNvPr id="3" name="文字方塊 2">
-            <a:extLst>
-              <a:ext uri="{FF2B5EF4-FFF2-40B4-BE49-F238E27FC236}">
-                <a16:creationId xmlns:a16="http://schemas.microsoft.com/office/drawing/2014/main" id="{77F26A53-60A1-4B70-B169-B3550C6CDD0E}"/>
-              </a:ext>
-            </a:extLst>
-          </p:cNvPr>
-          <p:cNvSpPr txBox="1"/>
-          <p:nvPr/>
-        </p:nvSpPr>
-        <p:spPr>
-          <a:xfrm>
-            <a:off x="4362450" y="1990725"/>
-            <a:ext cx="2952750" cy="369332"/>
-          </a:xfrm>
-          <a:prstGeom prst="rect">
-            <a:avLst/>
-          </a:prstGeom>
-          <a:noFill/>
-        </p:spPr>
-        <p:txBody>
-          <a:bodyPr wrap="square" rtlCol="0">
-            <a:spAutoFit/>
-          </a:bodyPr>
-          <a:lstStyle/>
-          <a:p>
-            <a:r>
-              <a:rPr lang="zh-TW" altLang="en-US" dirty="0"/>
-              <a:t>為什麼人們需要解釋？</a:t>
-            </a:r>
-            <a:endParaRPr lang="en-ID" dirty="0"/>
-          </a:p>
-        </p:txBody>
-      </p:sp>
-    </p:spTree>
-    <p:extLst>
-      <p:ext uri="{BB962C8B-B14F-4D97-AF65-F5344CB8AC3E}">
-        <p14:creationId xmlns:p14="http://schemas.microsoft.com/office/powerpoint/2010/main" val="4192316622"/>
-      </p:ext>
-    </p:extLst>
-  </p:cSld>
-  <p:clrMapOvr>
-    <a:masterClrMapping/>
-  </p:clrMapOvr>
-  <mc:AlternateContent xmlns:mc="http://schemas.openxmlformats.org/markup-compatibility/2006" xmlns:p14="http://schemas.microsoft.com/office/powerpoint/2010/main">
-    <mc:Choice Requires="p14">
-      <p:transition spd="slow" p14:dur="1500" advClick="0" advTm="0">
-        <p:random/>
-      </p:transition>
-    </mc:Choice>
-    <mc:Fallback xmlns="">
-      <p:transition spd="slow" advClick="0" advTm="0">
-        <p:random/>
-      </p:transition>
-    </mc:Fallback>
-  </mc:AlternateContent>
-</p:sld>
-</file>
-
-<file path=ppt/slides/slide40.xml><?xml version="1.0" encoding="utf-8"?>
-<p:sld xmlns:a="http://schemas.openxmlformats.org/drawingml/2006/main" xmlns:r="http://schemas.openxmlformats.org/officeDocument/2006/relationships" xmlns:p="http://schemas.openxmlformats.org/presentationml/2006/main">
-  <p:cSld>
-    <p:spTree>
-      <p:nvGrpSpPr>
-        <p:cNvPr id="1" name=""/>
-        <p:cNvGrpSpPr/>
-        <p:nvPr/>
-      </p:nvGrpSpPr>
-      <p:grpSpPr>
-        <a:xfrm>
-          <a:off x="0" y="0"/>
-          <a:ext cx="0" cy="0"/>
-          <a:chOff x="0" y="0"/>
-          <a:chExt cx="0" cy="0"/>
-        </a:xfrm>
-      </p:grpSpPr>
     </p:spTree>
     <p:extLst>
       <p:ext uri="{BB962C8B-B14F-4D97-AF65-F5344CB8AC3E}">
@@ -28605,7 +30478,7 @@
 </p:sld>
 </file>
 
-<file path=ppt/slides/slide41.xml><?xml version="1.0" encoding="utf-8"?>
+<file path=ppt/slides/slide43.xml><?xml version="1.0" encoding="utf-8"?>
 <p:sld xmlns:a="http://schemas.openxmlformats.org/drawingml/2006/main" xmlns:r="http://schemas.openxmlformats.org/officeDocument/2006/relationships" xmlns:p="http://schemas.openxmlformats.org/presentationml/2006/main">
   <p:cSld>
     <p:spTree>
@@ -28622,6 +30495,70 @@
           <a:chExt cx="0" cy="0"/>
         </a:xfrm>
       </p:grpSpPr>
+      <p:sp>
+        <p:nvSpPr>
+          <p:cNvPr id="2" name="文字方塊 1">
+            <a:extLst>
+              <a:ext uri="{FF2B5EF4-FFF2-40B4-BE49-F238E27FC236}">
+                <a16:creationId xmlns:a16="http://schemas.microsoft.com/office/drawing/2014/main" id="{A546399A-2383-4C1B-B12B-0E927FDA4CE2}"/>
+              </a:ext>
+            </a:extLst>
+          </p:cNvPr>
+          <p:cNvSpPr txBox="1"/>
+          <p:nvPr/>
+        </p:nvSpPr>
+        <p:spPr>
+          <a:xfrm>
+            <a:off x="3769360" y="2174241"/>
+            <a:ext cx="4246880" cy="2031325"/>
+          </a:xfrm>
+          <a:prstGeom prst="rect">
+            <a:avLst/>
+          </a:prstGeom>
+          <a:noFill/>
+        </p:spPr>
+        <p:txBody>
+          <a:bodyPr wrap="square" rtlCol="0">
+            <a:spAutoFit/>
+          </a:bodyPr>
+          <a:lstStyle/>
+          <a:p>
+            <a:r>
+              <a:rPr lang="zh-TW" altLang="en-US" dirty="0"/>
+              <a:t>一個模型好不好用跟他論文的影響力</a:t>
+            </a:r>
+            <a:r>
+              <a:rPr lang="en-US" altLang="zh-TW" dirty="0"/>
+              <a:t>(</a:t>
+            </a:r>
+            <a:r>
+              <a:rPr lang="zh-TW" altLang="en-US" dirty="0"/>
+              <a:t>或以數據來說，被引用次數</a:t>
+            </a:r>
+            <a:r>
+              <a:rPr lang="en-US" altLang="zh-TW" dirty="0"/>
+              <a:t>)</a:t>
+            </a:r>
+            <a:r>
+              <a:rPr lang="zh-TW" altLang="en-US" dirty="0"/>
+              <a:t>有絕對的關係</a:t>
+            </a:r>
+            <a:endParaRPr lang="en-ID" altLang="zh-TW" dirty="0"/>
+          </a:p>
+          <a:p>
+            <a:pPr algn="ctr"/>
+            <a:r>
+              <a:rPr lang="en-ID" dirty="0"/>
+              <a:t>Data Shapley</a:t>
+            </a:r>
+            <a:r>
+              <a:rPr lang="zh-TW" altLang="en-US" dirty="0"/>
+              <a:t>我個人認為是一個很好的想法，但是作者實現出來的模型難以解決實際的問題，之後很有可會有另一個模型用同樣的想法但是改善了運算速度與呈現方式而成為一篇具影響力的論文</a:t>
+            </a:r>
+            <a:endParaRPr lang="en-ID" dirty="0"/>
+          </a:p>
+        </p:txBody>
+      </p:sp>
     </p:spTree>
     <p:extLst>
       <p:ext uri="{BB962C8B-B14F-4D97-AF65-F5344CB8AC3E}">
@@ -28647,7 +30584,7 @@
 </p:sld>
 </file>
 
-<file path=ppt/slides/slide42.xml><?xml version="1.0" encoding="utf-8"?>
+<file path=ppt/slides/slide44.xml><?xml version="1.0" encoding="utf-8"?>
 <p:sld xmlns:a="http://schemas.openxmlformats.org/drawingml/2006/main" xmlns:r="http://schemas.openxmlformats.org/officeDocument/2006/relationships" xmlns:p="http://schemas.openxmlformats.org/presentationml/2006/main">
   <p:cSld>
     <p:spTree>
@@ -29918,7 +31855,7 @@
 </p:sld>
 </file>
 
-<file path=ppt/slides/slide43.xml><?xml version="1.0" encoding="utf-8"?>
+<file path=ppt/slides/slide45.xml><?xml version="1.0" encoding="utf-8"?>
 <p:sld xmlns:a="http://schemas.openxmlformats.org/drawingml/2006/main" xmlns:r="http://schemas.openxmlformats.org/officeDocument/2006/relationships" xmlns:p="http://schemas.openxmlformats.org/presentationml/2006/main">
   <p:cSld>
     <p:spTree>
